--- a/Tugas1/pengenalan phyton.pptx
+++ b/Tugas1/pengenalan phyton.pptx
@@ -32,7 +32,10 @@
     <p:sldId id="279" r:id="rId26"/>
     <p:sldId id="280" r:id="rId27"/>
     <p:sldId id="281" r:id="rId28"/>
-    <p:sldId id="282" r:id="rId29"/>
+    <p:sldId id="285" r:id="rId29"/>
+    <p:sldId id="286" r:id="rId30"/>
+    <p:sldId id="287" r:id="rId31"/>
+    <p:sldId id="282" r:id="rId32"/>
   </p:sldIdLst>
   <p:sldSz cx="12192000" cy="6858000"/>
   <p:notesSz cx="6858000" cy="9144000"/>
@@ -133,7 +136,7 @@
   </p:defaultTextStyle>
   <p:extLst>
     <p:ext uri="{EFAFB233-063F-42B5-8137-9DF3F51BA10A}">
-      <p15:sldGuideLst xmlns:p15="http://schemas.microsoft.com/office/powerpoint/2012/main"/>
+      <p15:sldGuideLst xmlns:p15="http://schemas.microsoft.com/office/powerpoint/2012/main" xmlns=""/>
     </p:ext>
   </p:extLst>
 </p:presentation>
@@ -291,7 +294,7 @@
           <a:p>
             <a:fld id="{047FADAB-D9AF-4329-9DA2-0DFFD2DB93CA}" type="datetimeFigureOut">
               <a:rPr lang="en-US" smtClean="0"/>
-              <a:t>3/23/2019</a:t>
+              <a:t>3/30/2019</a:t>
             </a:fld>
             <a:endParaRPr lang="en-US"/>
           </a:p>
@@ -544,7 +547,7 @@
           <a:p>
             <a:fld id="{047FADAB-D9AF-4329-9DA2-0DFFD2DB93CA}" type="datetimeFigureOut">
               <a:rPr lang="en-US" smtClean="0"/>
-              <a:t>3/23/2019</a:t>
+              <a:t>3/30/2019</a:t>
             </a:fld>
             <a:endParaRPr lang="en-US"/>
           </a:p>
@@ -724,7 +727,7 @@
           <a:p>
             <a:fld id="{047FADAB-D9AF-4329-9DA2-0DFFD2DB93CA}" type="datetimeFigureOut">
               <a:rPr lang="en-US" smtClean="0"/>
-              <a:t>3/23/2019</a:t>
+              <a:t>3/30/2019</a:t>
             </a:fld>
             <a:endParaRPr lang="en-US"/>
           </a:p>
@@ -929,7 +932,7 @@
           <a:p>
             <a:fld id="{047FADAB-D9AF-4329-9DA2-0DFFD2DB93CA}" type="datetimeFigureOut">
               <a:rPr lang="en-US" smtClean="0"/>
-              <a:t>3/23/2019</a:t>
+              <a:t>3/30/2019</a:t>
             </a:fld>
             <a:endParaRPr lang="en-US"/>
           </a:p>
@@ -1186,7 +1189,7 @@
           <a:p>
             <a:fld id="{047FADAB-D9AF-4329-9DA2-0DFFD2DB93CA}" type="datetimeFigureOut">
               <a:rPr lang="en-US" smtClean="0"/>
-              <a:t>3/23/2019</a:t>
+              <a:t>3/30/2019</a:t>
             </a:fld>
             <a:endParaRPr lang="en-US"/>
           </a:p>
@@ -1506,7 +1509,7 @@
           <a:p>
             <a:fld id="{047FADAB-D9AF-4329-9DA2-0DFFD2DB93CA}" type="datetimeFigureOut">
               <a:rPr lang="en-US" smtClean="0"/>
-              <a:t>3/23/2019</a:t>
+              <a:t>3/30/2019</a:t>
             </a:fld>
             <a:endParaRPr lang="en-US"/>
           </a:p>
@@ -1904,7 +1907,7 @@
           <a:p>
             <a:fld id="{047FADAB-D9AF-4329-9DA2-0DFFD2DB93CA}" type="datetimeFigureOut">
               <a:rPr lang="en-US" smtClean="0"/>
-              <a:t>3/23/2019</a:t>
+              <a:t>3/30/2019</a:t>
             </a:fld>
             <a:endParaRPr lang="en-US"/>
           </a:p>
@@ -2022,7 +2025,7 @@
           <a:p>
             <a:fld id="{047FADAB-D9AF-4329-9DA2-0DFFD2DB93CA}" type="datetimeFigureOut">
               <a:rPr lang="en-US" smtClean="0"/>
-              <a:t>3/23/2019</a:t>
+              <a:t>3/30/2019</a:t>
             </a:fld>
             <a:endParaRPr lang="en-US"/>
           </a:p>
@@ -2117,7 +2120,7 @@
           <a:p>
             <a:fld id="{047FADAB-D9AF-4329-9DA2-0DFFD2DB93CA}" type="datetimeFigureOut">
               <a:rPr lang="en-US" smtClean="0"/>
-              <a:t>3/23/2019</a:t>
+              <a:t>3/30/2019</a:t>
             </a:fld>
             <a:endParaRPr lang="en-US"/>
           </a:p>
@@ -2407,7 +2410,7 @@
           <a:p>
             <a:fld id="{047FADAB-D9AF-4329-9DA2-0DFFD2DB93CA}" type="datetimeFigureOut">
               <a:rPr lang="en-US" smtClean="0"/>
-              <a:t>3/23/2019</a:t>
+              <a:t>3/30/2019</a:t>
             </a:fld>
             <a:endParaRPr lang="en-US"/>
           </a:p>
@@ -2687,7 +2690,7 @@
           <a:p>
             <a:fld id="{047FADAB-D9AF-4329-9DA2-0DFFD2DB93CA}" type="datetimeFigureOut">
               <a:rPr lang="en-US" smtClean="0"/>
-              <a:t>3/23/2019</a:t>
+              <a:t>3/30/2019</a:t>
             </a:fld>
             <a:endParaRPr lang="en-US"/>
           </a:p>
@@ -2937,7 +2940,7 @@
           <a:p>
             <a:fld id="{047FADAB-D9AF-4329-9DA2-0DFFD2DB93CA}" type="datetimeFigureOut">
               <a:rPr lang="en-US" smtClean="0"/>
-              <a:t>3/23/2019</a:t>
+              <a:t>3/30/2019</a:t>
             </a:fld>
             <a:endParaRPr lang="en-US"/>
           </a:p>
@@ -3444,7 +3447,7 @@
           <p:cNvPr id="2" name="Title 1">
             <a:extLst>
               <a:ext uri="{FF2B5EF4-FFF2-40B4-BE49-F238E27FC236}">
-                <a16:creationId xmlns="" xmlns:a16="http://schemas.microsoft.com/office/drawing/2014/main" id="{520068CD-209F-437B-B987-C9DFE8B842EF}"/>
+                <a16:creationId xmlns:a16="http://schemas.microsoft.com/office/drawing/2014/main" xmlns="" id="{520068CD-209F-437B-B987-C9DFE8B842EF}"/>
               </a:ext>
             </a:extLst>
           </p:cNvPr>
@@ -3472,7 +3475,7 @@
           <p:cNvPr id="3" name="Subtitle 2">
             <a:extLst>
               <a:ext uri="{FF2B5EF4-FFF2-40B4-BE49-F238E27FC236}">
-                <a16:creationId xmlns="" xmlns:a16="http://schemas.microsoft.com/office/drawing/2014/main" id="{535BDA10-04A1-4CE9-932D-6B11E4429625}"/>
+                <a16:creationId xmlns:a16="http://schemas.microsoft.com/office/drawing/2014/main" xmlns="" id="{535BDA10-04A1-4CE9-932D-6B11E4429625}"/>
               </a:ext>
             </a:extLst>
           </p:cNvPr>
@@ -3538,7 +3541,7 @@
           <p:cNvPr id="2" name="Title 1">
             <a:extLst>
               <a:ext uri="{FF2B5EF4-FFF2-40B4-BE49-F238E27FC236}">
-                <a16:creationId xmlns="" xmlns:a16="http://schemas.microsoft.com/office/drawing/2014/main" id="{9A60E9C4-514E-40E5-B975-DD51A20C34C3}"/>
+                <a16:creationId xmlns:a16="http://schemas.microsoft.com/office/drawing/2014/main" xmlns="" id="{9A60E9C4-514E-40E5-B975-DD51A20C34C3}"/>
               </a:ext>
             </a:extLst>
           </p:cNvPr>
@@ -3566,7 +3569,7 @@
           <p:cNvPr id="4" name="Content Placeholder 3">
             <a:extLst>
               <a:ext uri="{FF2B5EF4-FFF2-40B4-BE49-F238E27FC236}">
-                <a16:creationId xmlns="" xmlns:a16="http://schemas.microsoft.com/office/drawing/2014/main" id="{D16146F2-9F21-4D60-8821-24C86ABAC520}"/>
+                <a16:creationId xmlns:a16="http://schemas.microsoft.com/office/drawing/2014/main" xmlns="" id="{D16146F2-9F21-4D60-8821-24C86ABAC520}"/>
               </a:ext>
             </a:extLst>
           </p:cNvPr>
@@ -3598,7 +3601,7 @@
           <p:cNvPr id="5" name="TextBox 4">
             <a:extLst>
               <a:ext uri="{FF2B5EF4-FFF2-40B4-BE49-F238E27FC236}">
-                <a16:creationId xmlns="" xmlns:a16="http://schemas.microsoft.com/office/drawing/2014/main" id="{3BF0C0B2-B19C-4237-8692-65F51EB38EF6}"/>
+                <a16:creationId xmlns:a16="http://schemas.microsoft.com/office/drawing/2014/main" xmlns="" id="{3BF0C0B2-B19C-4237-8692-65F51EB38EF6}"/>
               </a:ext>
             </a:extLst>
           </p:cNvPr>
@@ -4158,7 +4161,7 @@
           <p:cNvPr id="2" name="Title 1">
             <a:extLst>
               <a:ext uri="{FF2B5EF4-FFF2-40B4-BE49-F238E27FC236}">
-                <a16:creationId xmlns="" xmlns:a16="http://schemas.microsoft.com/office/drawing/2014/main" id="{49AD996F-BEA8-4777-A69F-5DA582B8D415}"/>
+                <a16:creationId xmlns:a16="http://schemas.microsoft.com/office/drawing/2014/main" xmlns="" id="{49AD996F-BEA8-4777-A69F-5DA582B8D415}"/>
               </a:ext>
             </a:extLst>
           </p:cNvPr>
@@ -4187,7 +4190,7 @@
           <p:cNvPr id="3" name="Content Placeholder 2">
             <a:extLst>
               <a:ext uri="{FF2B5EF4-FFF2-40B4-BE49-F238E27FC236}">
-                <a16:creationId xmlns="" xmlns:a16="http://schemas.microsoft.com/office/drawing/2014/main" id="{1C3084C2-61D9-4901-A0AA-D264657A712A}"/>
+                <a16:creationId xmlns:a16="http://schemas.microsoft.com/office/drawing/2014/main" xmlns="" id="{1C3084C2-61D9-4901-A0AA-D264657A712A}"/>
               </a:ext>
             </a:extLst>
           </p:cNvPr>
@@ -4367,7 +4370,7 @@
           <p:cNvPr id="2" name="Title 1">
             <a:extLst>
               <a:ext uri="{FF2B5EF4-FFF2-40B4-BE49-F238E27FC236}">
-                <a16:creationId xmlns="" xmlns:a16="http://schemas.microsoft.com/office/drawing/2014/main" id="{AA0E214C-8AF6-4A83-8E9F-6FF926D29D37}"/>
+                <a16:creationId xmlns:a16="http://schemas.microsoft.com/office/drawing/2014/main" xmlns="" id="{AA0E214C-8AF6-4A83-8E9F-6FF926D29D37}"/>
               </a:ext>
             </a:extLst>
           </p:cNvPr>
@@ -4400,7 +4403,7 @@
           <p:cNvPr id="4" name="Content Placeholder 3">
             <a:extLst>
               <a:ext uri="{FF2B5EF4-FFF2-40B4-BE49-F238E27FC236}">
-                <a16:creationId xmlns="" xmlns:a16="http://schemas.microsoft.com/office/drawing/2014/main" id="{7DD4ED09-47DA-46DD-841F-9B5D9B0BB527}"/>
+                <a16:creationId xmlns:a16="http://schemas.microsoft.com/office/drawing/2014/main" xmlns="" id="{7DD4ED09-47DA-46DD-841F-9B5D9B0BB527}"/>
               </a:ext>
             </a:extLst>
           </p:cNvPr>
@@ -4462,7 +4465,7 @@
           <p:cNvPr id="2" name="Title 1">
             <a:extLst>
               <a:ext uri="{FF2B5EF4-FFF2-40B4-BE49-F238E27FC236}">
-                <a16:creationId xmlns="" xmlns:a16="http://schemas.microsoft.com/office/drawing/2014/main" id="{906043A6-961A-487B-8C36-4A41F318FF4B}"/>
+                <a16:creationId xmlns:a16="http://schemas.microsoft.com/office/drawing/2014/main" xmlns="" id="{906043A6-961A-487B-8C36-4A41F318FF4B}"/>
               </a:ext>
             </a:extLst>
           </p:cNvPr>
@@ -4495,7 +4498,7 @@
           <p:cNvPr id="4" name="Content Placeholder 3">
             <a:extLst>
               <a:ext uri="{FF2B5EF4-FFF2-40B4-BE49-F238E27FC236}">
-                <a16:creationId xmlns="" xmlns:a16="http://schemas.microsoft.com/office/drawing/2014/main" id="{B24A32E8-D13B-4B84-9C0E-455EF37104AB}"/>
+                <a16:creationId xmlns:a16="http://schemas.microsoft.com/office/drawing/2014/main" xmlns="" id="{B24A32E8-D13B-4B84-9C0E-455EF37104AB}"/>
               </a:ext>
             </a:extLst>
           </p:cNvPr>
@@ -4557,7 +4560,7 @@
           <p:cNvPr id="2" name="Title 1">
             <a:extLst>
               <a:ext uri="{FF2B5EF4-FFF2-40B4-BE49-F238E27FC236}">
-                <a16:creationId xmlns="" xmlns:a16="http://schemas.microsoft.com/office/drawing/2014/main" id="{700736AE-B941-44A3-956C-4935516E9656}"/>
+                <a16:creationId xmlns:a16="http://schemas.microsoft.com/office/drawing/2014/main" xmlns="" id="{700736AE-B941-44A3-956C-4935516E9656}"/>
               </a:ext>
             </a:extLst>
           </p:cNvPr>
@@ -4590,7 +4593,7 @@
           <p:cNvPr id="4" name="Content Placeholder 3">
             <a:extLst>
               <a:ext uri="{FF2B5EF4-FFF2-40B4-BE49-F238E27FC236}">
-                <a16:creationId xmlns="" xmlns:a16="http://schemas.microsoft.com/office/drawing/2014/main" id="{304A2199-D7AF-4DAF-80A9-D9BF0CA58071}"/>
+                <a16:creationId xmlns:a16="http://schemas.microsoft.com/office/drawing/2014/main" xmlns="" id="{304A2199-D7AF-4DAF-80A9-D9BF0CA58071}"/>
               </a:ext>
             </a:extLst>
           </p:cNvPr>
@@ -4652,7 +4655,7 @@
           <p:cNvPr id="2" name="Title 1">
             <a:extLst>
               <a:ext uri="{FF2B5EF4-FFF2-40B4-BE49-F238E27FC236}">
-                <a16:creationId xmlns="" xmlns:a16="http://schemas.microsoft.com/office/drawing/2014/main" id="{F3C3EFC0-55E0-4ACF-9FCA-87C6CCEDE055}"/>
+                <a16:creationId xmlns:a16="http://schemas.microsoft.com/office/drawing/2014/main" xmlns="" id="{F3C3EFC0-55E0-4ACF-9FCA-87C6CCEDE055}"/>
               </a:ext>
             </a:extLst>
           </p:cNvPr>
@@ -4680,7 +4683,7 @@
           <p:cNvPr id="3" name="Content Placeholder 2">
             <a:extLst>
               <a:ext uri="{FF2B5EF4-FFF2-40B4-BE49-F238E27FC236}">
-                <a16:creationId xmlns="" xmlns:a16="http://schemas.microsoft.com/office/drawing/2014/main" id="{622089CF-855D-4419-AB2A-197A16168D0F}"/>
+                <a16:creationId xmlns:a16="http://schemas.microsoft.com/office/drawing/2014/main" xmlns="" id="{622089CF-855D-4419-AB2A-197A16168D0F}"/>
               </a:ext>
             </a:extLst>
           </p:cNvPr>
@@ -5279,7 +5282,7 @@
           <p:cNvPr id="2" name="Title 1">
             <a:extLst>
               <a:ext uri="{FF2B5EF4-FFF2-40B4-BE49-F238E27FC236}">
-                <a16:creationId xmlns="" xmlns:a16="http://schemas.microsoft.com/office/drawing/2014/main" id="{BDC11D9A-F196-40F7-ACA3-772178CC1F64}"/>
+                <a16:creationId xmlns:a16="http://schemas.microsoft.com/office/drawing/2014/main" xmlns="" id="{BDC11D9A-F196-40F7-ACA3-772178CC1F64}"/>
               </a:ext>
             </a:extLst>
           </p:cNvPr>
@@ -5307,7 +5310,7 @@
           <p:cNvPr id="3" name="Content Placeholder 2">
             <a:extLst>
               <a:ext uri="{FF2B5EF4-FFF2-40B4-BE49-F238E27FC236}">
-                <a16:creationId xmlns="" xmlns:a16="http://schemas.microsoft.com/office/drawing/2014/main" id="{3F062B7C-F686-4B57-B005-9D205289B74D}"/>
+                <a16:creationId xmlns:a16="http://schemas.microsoft.com/office/drawing/2014/main" xmlns="" id="{3F062B7C-F686-4B57-B005-9D205289B74D}"/>
               </a:ext>
             </a:extLst>
           </p:cNvPr>
@@ -5401,7 +5404,7 @@
           <p:cNvPr id="5" name="Picture 4">
             <a:extLst>
               <a:ext uri="{FF2B5EF4-FFF2-40B4-BE49-F238E27FC236}">
-                <a16:creationId xmlns="" xmlns:a16="http://schemas.microsoft.com/office/drawing/2014/main" id="{65A2A7A5-D687-4BD7-A4BA-7762AF3A2936}"/>
+                <a16:creationId xmlns:a16="http://schemas.microsoft.com/office/drawing/2014/main" xmlns="" id="{65A2A7A5-D687-4BD7-A4BA-7762AF3A2936}"/>
               </a:ext>
             </a:extLst>
           </p:cNvPr>
@@ -5461,7 +5464,7 @@
           <p:cNvPr id="2" name="Title 1">
             <a:extLst>
               <a:ext uri="{FF2B5EF4-FFF2-40B4-BE49-F238E27FC236}">
-                <a16:creationId xmlns="" xmlns:a16="http://schemas.microsoft.com/office/drawing/2014/main" id="{9B338BA5-B1BE-4E13-8BA9-85CC10DEA24C}"/>
+                <a16:creationId xmlns:a16="http://schemas.microsoft.com/office/drawing/2014/main" xmlns="" id="{9B338BA5-B1BE-4E13-8BA9-85CC10DEA24C}"/>
               </a:ext>
             </a:extLst>
           </p:cNvPr>
@@ -5489,7 +5492,7 @@
           <p:cNvPr id="3" name="Content Placeholder 2">
             <a:extLst>
               <a:ext uri="{FF2B5EF4-FFF2-40B4-BE49-F238E27FC236}">
-                <a16:creationId xmlns="" xmlns:a16="http://schemas.microsoft.com/office/drawing/2014/main" id="{FC599789-B759-48C1-97AF-52DD1E15F455}"/>
+                <a16:creationId xmlns:a16="http://schemas.microsoft.com/office/drawing/2014/main" xmlns="" id="{FC599789-B759-48C1-97AF-52DD1E15F455}"/>
               </a:ext>
             </a:extLst>
           </p:cNvPr>
@@ -5594,7 +5597,7 @@
           <p:cNvPr id="4" name="Picture 3">
             <a:extLst>
               <a:ext uri="{FF2B5EF4-FFF2-40B4-BE49-F238E27FC236}">
-                <a16:creationId xmlns="" xmlns:a16="http://schemas.microsoft.com/office/drawing/2014/main" id="{97E88207-4269-4F27-9B87-394540FB711A}"/>
+                <a16:creationId xmlns:a16="http://schemas.microsoft.com/office/drawing/2014/main" xmlns="" id="{97E88207-4269-4F27-9B87-394540FB711A}"/>
               </a:ext>
             </a:extLst>
           </p:cNvPr>
@@ -5654,7 +5657,7 @@
           <p:cNvPr id="2" name="Title 1">
             <a:extLst>
               <a:ext uri="{FF2B5EF4-FFF2-40B4-BE49-F238E27FC236}">
-                <a16:creationId xmlns="" xmlns:a16="http://schemas.microsoft.com/office/drawing/2014/main" id="{6A64EFE6-F736-4AF7-AB0A-45150A649A56}"/>
+                <a16:creationId xmlns:a16="http://schemas.microsoft.com/office/drawing/2014/main" xmlns="" id="{6A64EFE6-F736-4AF7-AB0A-45150A649A56}"/>
               </a:ext>
             </a:extLst>
           </p:cNvPr>
@@ -5682,7 +5685,7 @@
           <p:cNvPr id="3" name="Content Placeholder 2">
             <a:extLst>
               <a:ext uri="{FF2B5EF4-FFF2-40B4-BE49-F238E27FC236}">
-                <a16:creationId xmlns="" xmlns:a16="http://schemas.microsoft.com/office/drawing/2014/main" id="{35B1CF83-AD03-4DD4-B20F-526AA16B098C}"/>
+                <a16:creationId xmlns:a16="http://schemas.microsoft.com/office/drawing/2014/main" xmlns="" id="{35B1CF83-AD03-4DD4-B20F-526AA16B098C}"/>
               </a:ext>
             </a:extLst>
           </p:cNvPr>
@@ -5838,7 +5841,7 @@
           <p:cNvPr id="4" name="Picture 3">
             <a:extLst>
               <a:ext uri="{FF2B5EF4-FFF2-40B4-BE49-F238E27FC236}">
-                <a16:creationId xmlns="" xmlns:a16="http://schemas.microsoft.com/office/drawing/2014/main" id="{44795652-A71D-4C4E-9EE8-9AE3F77FA049}"/>
+                <a16:creationId xmlns:a16="http://schemas.microsoft.com/office/drawing/2014/main" xmlns="" id="{44795652-A71D-4C4E-9EE8-9AE3F77FA049}"/>
               </a:ext>
             </a:extLst>
           </p:cNvPr>
@@ -5898,7 +5901,7 @@
           <p:cNvPr id="2" name="Title 1">
             <a:extLst>
               <a:ext uri="{FF2B5EF4-FFF2-40B4-BE49-F238E27FC236}">
-                <a16:creationId xmlns="" xmlns:a16="http://schemas.microsoft.com/office/drawing/2014/main" id="{71B3EAE6-E92F-4D6A-880E-A68DDDE604F3}"/>
+                <a16:creationId xmlns:a16="http://schemas.microsoft.com/office/drawing/2014/main" xmlns="" id="{71B3EAE6-E92F-4D6A-880E-A68DDDE604F3}"/>
               </a:ext>
             </a:extLst>
           </p:cNvPr>
@@ -5930,7 +5933,7 @@
           <p:cNvPr id="3" name="Content Placeholder 2">
             <a:extLst>
               <a:ext uri="{FF2B5EF4-FFF2-40B4-BE49-F238E27FC236}">
-                <a16:creationId xmlns="" xmlns:a16="http://schemas.microsoft.com/office/drawing/2014/main" id="{660E8B83-C2C5-4743-BFF9-46C10D23FAE9}"/>
+                <a16:creationId xmlns:a16="http://schemas.microsoft.com/office/drawing/2014/main" xmlns="" id="{660E8B83-C2C5-4743-BFF9-46C10D23FAE9}"/>
               </a:ext>
             </a:extLst>
           </p:cNvPr>
@@ -6072,7 +6075,7 @@
           <p:cNvPr id="2" name="Title 1">
             <a:extLst>
               <a:ext uri="{FF2B5EF4-FFF2-40B4-BE49-F238E27FC236}">
-                <a16:creationId xmlns="" xmlns:a16="http://schemas.microsoft.com/office/drawing/2014/main" id="{D8D89EF4-269A-46A9-A7BD-85C639FDB694}"/>
+                <a16:creationId xmlns:a16="http://schemas.microsoft.com/office/drawing/2014/main" xmlns="" id="{D8D89EF4-269A-46A9-A7BD-85C639FDB694}"/>
               </a:ext>
             </a:extLst>
           </p:cNvPr>
@@ -6100,7 +6103,7 @@
           <p:cNvPr id="3" name="Content Placeholder 2">
             <a:extLst>
               <a:ext uri="{FF2B5EF4-FFF2-40B4-BE49-F238E27FC236}">
-                <a16:creationId xmlns="" xmlns:a16="http://schemas.microsoft.com/office/drawing/2014/main" id="{0B12D61C-D7CA-44DA-A969-5704AB9F3595}"/>
+                <a16:creationId xmlns:a16="http://schemas.microsoft.com/office/drawing/2014/main" xmlns="" id="{0B12D61C-D7CA-44DA-A969-5704AB9F3595}"/>
               </a:ext>
             </a:extLst>
           </p:cNvPr>
@@ -6625,7 +6628,7 @@
           <p:cNvPr id="2" name="Title 1">
             <a:extLst>
               <a:ext uri="{FF2B5EF4-FFF2-40B4-BE49-F238E27FC236}">
-                <a16:creationId xmlns="" xmlns:a16="http://schemas.microsoft.com/office/drawing/2014/main" id="{69622DA5-1F62-44EE-BBFF-43A2A46A37E5}"/>
+                <a16:creationId xmlns:a16="http://schemas.microsoft.com/office/drawing/2014/main" xmlns="" id="{69622DA5-1F62-44EE-BBFF-43A2A46A37E5}"/>
               </a:ext>
             </a:extLst>
           </p:cNvPr>
@@ -6653,7 +6656,7 @@
           <p:cNvPr id="3" name="Content Placeholder 2">
             <a:extLst>
               <a:ext uri="{FF2B5EF4-FFF2-40B4-BE49-F238E27FC236}">
-                <a16:creationId xmlns="" xmlns:a16="http://schemas.microsoft.com/office/drawing/2014/main" id="{12ED7BED-90AF-4163-A7C2-21C967ECD37E}"/>
+                <a16:creationId xmlns:a16="http://schemas.microsoft.com/office/drawing/2014/main" xmlns="" id="{12ED7BED-90AF-4163-A7C2-21C967ECD37E}"/>
               </a:ext>
             </a:extLst>
           </p:cNvPr>
@@ -7004,7 +7007,7 @@
           <p:cNvPr id="4" name="Picture 3">
             <a:extLst>
               <a:ext uri="{FF2B5EF4-FFF2-40B4-BE49-F238E27FC236}">
-                <a16:creationId xmlns="" xmlns:a16="http://schemas.microsoft.com/office/drawing/2014/main" id="{2D9A7121-6229-46B6-AAFA-15181CCA8167}"/>
+                <a16:creationId xmlns:a16="http://schemas.microsoft.com/office/drawing/2014/main" xmlns="" id="{2D9A7121-6229-46B6-AAFA-15181CCA8167}"/>
               </a:ext>
             </a:extLst>
           </p:cNvPr>
@@ -7064,7 +7067,7 @@
           <p:cNvPr id="2" name="Title 1">
             <a:extLst>
               <a:ext uri="{FF2B5EF4-FFF2-40B4-BE49-F238E27FC236}">
-                <a16:creationId xmlns="" xmlns:a16="http://schemas.microsoft.com/office/drawing/2014/main" id="{0A3B81F4-D727-40D9-AF9E-49B8004DF3B6}"/>
+                <a16:creationId xmlns:a16="http://schemas.microsoft.com/office/drawing/2014/main" xmlns="" id="{0A3B81F4-D727-40D9-AF9E-49B8004DF3B6}"/>
               </a:ext>
             </a:extLst>
           </p:cNvPr>
@@ -7092,7 +7095,7 @@
           <p:cNvPr id="3" name="Content Placeholder 2">
             <a:extLst>
               <a:ext uri="{FF2B5EF4-FFF2-40B4-BE49-F238E27FC236}">
-                <a16:creationId xmlns="" xmlns:a16="http://schemas.microsoft.com/office/drawing/2014/main" id="{CE8EF288-265F-49E4-BC4F-F912D3CD04D9}"/>
+                <a16:creationId xmlns:a16="http://schemas.microsoft.com/office/drawing/2014/main" xmlns="" id="{CE8EF288-265F-49E4-BC4F-F912D3CD04D9}"/>
               </a:ext>
             </a:extLst>
           </p:cNvPr>
@@ -7331,7 +7334,7 @@
           <p:cNvPr id="4" name="Picture 3">
             <a:extLst>
               <a:ext uri="{FF2B5EF4-FFF2-40B4-BE49-F238E27FC236}">
-                <a16:creationId xmlns="" xmlns:a16="http://schemas.microsoft.com/office/drawing/2014/main" id="{748C8423-BCD8-491C-A3ED-FBE8A361CFCF}"/>
+                <a16:creationId xmlns:a16="http://schemas.microsoft.com/office/drawing/2014/main" xmlns="" id="{748C8423-BCD8-491C-A3ED-FBE8A361CFCF}"/>
               </a:ext>
             </a:extLst>
           </p:cNvPr>
@@ -7391,7 +7394,7 @@
           <p:cNvPr id="2" name="Title 1">
             <a:extLst>
               <a:ext uri="{FF2B5EF4-FFF2-40B4-BE49-F238E27FC236}">
-                <a16:creationId xmlns="" xmlns:a16="http://schemas.microsoft.com/office/drawing/2014/main" id="{D1D6930C-657C-449D-B34B-EB905240E38D}"/>
+                <a16:creationId xmlns:a16="http://schemas.microsoft.com/office/drawing/2014/main" xmlns="" id="{D1D6930C-657C-449D-B34B-EB905240E38D}"/>
               </a:ext>
             </a:extLst>
           </p:cNvPr>
@@ -7419,7 +7422,7 @@
           <p:cNvPr id="3" name="Content Placeholder 2">
             <a:extLst>
               <a:ext uri="{FF2B5EF4-FFF2-40B4-BE49-F238E27FC236}">
-                <a16:creationId xmlns="" xmlns:a16="http://schemas.microsoft.com/office/drawing/2014/main" id="{B37CE59B-4367-4E0F-8C72-B7BB5D21EA44}"/>
+                <a16:creationId xmlns:a16="http://schemas.microsoft.com/office/drawing/2014/main" xmlns="" id="{B37CE59B-4367-4E0F-8C72-B7BB5D21EA44}"/>
               </a:ext>
             </a:extLst>
           </p:cNvPr>
@@ -7618,7 +7621,7 @@
           <p:cNvPr id="4" name="Picture 3">
             <a:extLst>
               <a:ext uri="{FF2B5EF4-FFF2-40B4-BE49-F238E27FC236}">
-                <a16:creationId xmlns="" xmlns:a16="http://schemas.microsoft.com/office/drawing/2014/main" id="{59066CD2-3D44-4CB4-A2B7-0C1E1EB77575}"/>
+                <a16:creationId xmlns:a16="http://schemas.microsoft.com/office/drawing/2014/main" xmlns="" id="{59066CD2-3D44-4CB4-A2B7-0C1E1EB77575}"/>
               </a:ext>
             </a:extLst>
           </p:cNvPr>
@@ -7678,7 +7681,7 @@
           <p:cNvPr id="2" name="Title 1">
             <a:extLst>
               <a:ext uri="{FF2B5EF4-FFF2-40B4-BE49-F238E27FC236}">
-                <a16:creationId xmlns="" xmlns:a16="http://schemas.microsoft.com/office/drawing/2014/main" id="{0906278B-715F-40E6-96B4-AABCD817E860}"/>
+                <a16:creationId xmlns:a16="http://schemas.microsoft.com/office/drawing/2014/main" xmlns="" id="{0906278B-715F-40E6-96B4-AABCD817E860}"/>
               </a:ext>
             </a:extLst>
           </p:cNvPr>
@@ -7710,7 +7713,7 @@
           <p:cNvPr id="3" name="Content Placeholder 2">
             <a:extLst>
               <a:ext uri="{FF2B5EF4-FFF2-40B4-BE49-F238E27FC236}">
-                <a16:creationId xmlns="" xmlns:a16="http://schemas.microsoft.com/office/drawing/2014/main" id="{B7CCAC59-A944-4E9D-B0E0-DBE20BA2D29F}"/>
+                <a16:creationId xmlns:a16="http://schemas.microsoft.com/office/drawing/2014/main" xmlns="" id="{B7CCAC59-A944-4E9D-B0E0-DBE20BA2D29F}"/>
               </a:ext>
             </a:extLst>
           </p:cNvPr>
@@ -7881,7 +7884,7 @@
           <p:cNvPr id="4" name="Picture 3">
             <a:extLst>
               <a:ext uri="{FF2B5EF4-FFF2-40B4-BE49-F238E27FC236}">
-                <a16:creationId xmlns="" xmlns:a16="http://schemas.microsoft.com/office/drawing/2014/main" id="{E250073F-AFE2-4C19-8CF7-65F45870CA0B}"/>
+                <a16:creationId xmlns:a16="http://schemas.microsoft.com/office/drawing/2014/main" xmlns="" id="{E250073F-AFE2-4C19-8CF7-65F45870CA0B}"/>
               </a:ext>
             </a:extLst>
           </p:cNvPr>
@@ -7941,7 +7944,7 @@
           <p:cNvPr id="2" name="Title 1">
             <a:extLst>
               <a:ext uri="{FF2B5EF4-FFF2-40B4-BE49-F238E27FC236}">
-                <a16:creationId xmlns="" xmlns:a16="http://schemas.microsoft.com/office/drawing/2014/main" id="{820A6B61-52E6-454C-A929-A9403A22E27A}"/>
+                <a16:creationId xmlns:a16="http://schemas.microsoft.com/office/drawing/2014/main" xmlns="" id="{820A6B61-52E6-454C-A929-A9403A22E27A}"/>
               </a:ext>
             </a:extLst>
           </p:cNvPr>
@@ -7973,7 +7976,7 @@
           <p:cNvPr id="3" name="Content Placeholder 2">
             <a:extLst>
               <a:ext uri="{FF2B5EF4-FFF2-40B4-BE49-F238E27FC236}">
-                <a16:creationId xmlns="" xmlns:a16="http://schemas.microsoft.com/office/drawing/2014/main" id="{1E2165CB-48BD-485E-B57E-D228A32AF475}"/>
+                <a16:creationId xmlns:a16="http://schemas.microsoft.com/office/drawing/2014/main" xmlns="" id="{1E2165CB-48BD-485E-B57E-D228A32AF475}"/>
               </a:ext>
             </a:extLst>
           </p:cNvPr>
@@ -8341,7 +8344,7 @@
           <p:cNvPr id="4" name="Picture 3">
             <a:extLst>
               <a:ext uri="{FF2B5EF4-FFF2-40B4-BE49-F238E27FC236}">
-                <a16:creationId xmlns="" xmlns:a16="http://schemas.microsoft.com/office/drawing/2014/main" id="{7BB13B3A-2F66-4E6F-AC90-2AAB39A0037E}"/>
+                <a16:creationId xmlns:a16="http://schemas.microsoft.com/office/drawing/2014/main" xmlns="" id="{7BB13B3A-2F66-4E6F-AC90-2AAB39A0037E}"/>
               </a:ext>
             </a:extLst>
           </p:cNvPr>
@@ -8401,7 +8404,7 @@
           <p:cNvPr id="2" name="Title 1">
             <a:extLst>
               <a:ext uri="{FF2B5EF4-FFF2-40B4-BE49-F238E27FC236}">
-                <a16:creationId xmlns="" xmlns:a16="http://schemas.microsoft.com/office/drawing/2014/main" id="{B95B8F5C-7200-4F20-A589-14B3C3FB5AC4}"/>
+                <a16:creationId xmlns:a16="http://schemas.microsoft.com/office/drawing/2014/main" xmlns="" id="{B95B8F5C-7200-4F20-A589-14B3C3FB5AC4}"/>
               </a:ext>
             </a:extLst>
           </p:cNvPr>
@@ -8438,7 +8441,7 @@
           <p:cNvPr id="3" name="Content Placeholder 2">
             <a:extLst>
               <a:ext uri="{FF2B5EF4-FFF2-40B4-BE49-F238E27FC236}">
-                <a16:creationId xmlns="" xmlns:a16="http://schemas.microsoft.com/office/drawing/2014/main" id="{082257B7-1AE8-4976-876F-0B1CAA8B49DC}"/>
+                <a16:creationId xmlns:a16="http://schemas.microsoft.com/office/drawing/2014/main" xmlns="" id="{082257B7-1AE8-4976-876F-0B1CAA8B49DC}"/>
               </a:ext>
             </a:extLst>
           </p:cNvPr>
@@ -8740,7 +8743,7 @@
           <p:cNvPr id="4" name="Picture 3">
             <a:extLst>
               <a:ext uri="{FF2B5EF4-FFF2-40B4-BE49-F238E27FC236}">
-                <a16:creationId xmlns="" xmlns:a16="http://schemas.microsoft.com/office/drawing/2014/main" id="{65649332-2CF5-4990-84E5-850CA6F0C4A8}"/>
+                <a16:creationId xmlns:a16="http://schemas.microsoft.com/office/drawing/2014/main" xmlns="" id="{65649332-2CF5-4990-84E5-850CA6F0C4A8}"/>
               </a:ext>
             </a:extLst>
           </p:cNvPr>
@@ -8800,7 +8803,7 @@
           <p:cNvPr id="2" name="Title 1">
             <a:extLst>
               <a:ext uri="{FF2B5EF4-FFF2-40B4-BE49-F238E27FC236}">
-                <a16:creationId xmlns="" xmlns:a16="http://schemas.microsoft.com/office/drawing/2014/main" id="{DA88EBD1-1F49-4BA6-B6E8-619E2D06CBBD}"/>
+                <a16:creationId xmlns:a16="http://schemas.microsoft.com/office/drawing/2014/main" xmlns="" id="{DA88EBD1-1F49-4BA6-B6E8-619E2D06CBBD}"/>
               </a:ext>
             </a:extLst>
           </p:cNvPr>
@@ -8828,7 +8831,7 @@
           <p:cNvPr id="3" name="Content Placeholder 2">
             <a:extLst>
               <a:ext uri="{FF2B5EF4-FFF2-40B4-BE49-F238E27FC236}">
-                <a16:creationId xmlns="" xmlns:a16="http://schemas.microsoft.com/office/drawing/2014/main" id="{A27A643B-FC17-49CF-B974-056B4326786E}"/>
+                <a16:creationId xmlns:a16="http://schemas.microsoft.com/office/drawing/2014/main" xmlns="" id="{A27A643B-FC17-49CF-B974-056B4326786E}"/>
               </a:ext>
             </a:extLst>
           </p:cNvPr>
@@ -9050,7 +9053,7 @@
           <p:cNvPr id="4" name="Picture 3">
             <a:extLst>
               <a:ext uri="{FF2B5EF4-FFF2-40B4-BE49-F238E27FC236}">
-                <a16:creationId xmlns="" xmlns:a16="http://schemas.microsoft.com/office/drawing/2014/main" id="{3FC13C5E-CA78-4231-9769-FD294CA18F72}"/>
+                <a16:creationId xmlns:a16="http://schemas.microsoft.com/office/drawing/2014/main" xmlns="" id="{3FC13C5E-CA78-4231-9769-FD294CA18F72}"/>
               </a:ext>
             </a:extLst>
           </p:cNvPr>
@@ -9110,7 +9113,7 @@
           <p:cNvPr id="2" name="Title 1">
             <a:extLst>
               <a:ext uri="{FF2B5EF4-FFF2-40B4-BE49-F238E27FC236}">
-                <a16:creationId xmlns="" xmlns:a16="http://schemas.microsoft.com/office/drawing/2014/main" id="{9E3A28AF-8616-4DA9-BA67-3EE28B366907}"/>
+                <a16:creationId xmlns:a16="http://schemas.microsoft.com/office/drawing/2014/main" xmlns="" id="{9E3A28AF-8616-4DA9-BA67-3EE28B366907}"/>
               </a:ext>
             </a:extLst>
           </p:cNvPr>
@@ -9138,7 +9141,7 @@
           <p:cNvPr id="3" name="Content Placeholder 2">
             <a:extLst>
               <a:ext uri="{FF2B5EF4-FFF2-40B4-BE49-F238E27FC236}">
-                <a16:creationId xmlns="" xmlns:a16="http://schemas.microsoft.com/office/drawing/2014/main" id="{5497F37E-F7D4-4510-878B-B9620381D1C4}"/>
+                <a16:creationId xmlns:a16="http://schemas.microsoft.com/office/drawing/2014/main" xmlns="" id="{5497F37E-F7D4-4510-878B-B9620381D1C4}"/>
               </a:ext>
             </a:extLst>
           </p:cNvPr>
@@ -9243,13 +9246,7 @@
       </p:grpSpPr>
       <p:sp>
         <p:nvSpPr>
-          <p:cNvPr id="2" name="Title 1">
-            <a:extLst>
-              <a:ext uri="{FF2B5EF4-FFF2-40B4-BE49-F238E27FC236}">
-                <a16:creationId xmlns="" xmlns:a16="http://schemas.microsoft.com/office/drawing/2014/main" id="{50885E28-54E8-491F-B17E-A52F3B7F1523}"/>
-              </a:ext>
-            </a:extLst>
-          </p:cNvPr>
+          <p:cNvPr id="2" name="Title 1"/>
           <p:cNvSpPr>
             <a:spLocks noGrp="1"/>
           </p:cNvSpPr>
@@ -9257,27 +9254,35 @@
             <p:ph type="title"/>
           </p:nvPr>
         </p:nvSpPr>
-        <p:spPr/>
+        <p:spPr>
+          <a:xfrm>
+            <a:off x="1024128" y="585216"/>
+            <a:ext cx="9720072" cy="1499616"/>
+          </a:xfrm>
+        </p:spPr>
         <p:txBody>
           <a:bodyPr/>
           <a:lstStyle/>
           <a:p>
             <a:r>
-              <a:rPr lang="en-US" dirty="0"/>
-              <a:t>daftar PUSTAKA</a:t>
-            </a:r>
-          </a:p>
-        </p:txBody>
-      </p:sp>
-      <p:sp>
-        <p:nvSpPr>
-          <p:cNvPr id="3" name="Content Placeholder 2">
-            <a:extLst>
-              <a:ext uri="{FF2B5EF4-FFF2-40B4-BE49-F238E27FC236}">
-                <a16:creationId xmlns="" xmlns:a16="http://schemas.microsoft.com/office/drawing/2014/main" id="{537CB976-9A37-48BA-B3B7-47CDB98CC564}"/>
-              </a:ext>
-            </a:extLst>
-          </p:cNvPr>
+              <a:rPr lang="en-US" dirty="0" err="1" smtClean="0"/>
+              <a:t>Instalasi</a:t>
+            </a:r>
+            <a:r>
+              <a:rPr lang="en-US" dirty="0" smtClean="0"/>
+              <a:t> package </a:t>
+            </a:r>
+            <a:r>
+              <a:rPr lang="en-US" dirty="0" err="1" smtClean="0"/>
+              <a:t>seaborn</a:t>
+            </a:r>
+            <a:endParaRPr lang="id-ID" dirty="0"/>
+          </a:p>
+        </p:txBody>
+      </p:sp>
+      <p:sp>
+        <p:nvSpPr>
+          <p:cNvPr id="3" name="Content Placeholder 2"/>
           <p:cNvSpPr>
             <a:spLocks noGrp="1"/>
           </p:cNvSpPr>
@@ -9287,46 +9292,240 @@
         </p:nvSpPr>
         <p:spPr/>
         <p:txBody>
-          <a:bodyPr>
-            <a:normAutofit/>
-          </a:bodyPr>
+          <a:bodyPr/>
           <a:lstStyle/>
           <a:p>
-            <a:r>
-              <a:rPr lang="en-US" dirty="0"/>
-              <a:t>https://belajarpython.com/tutorial/tipe-data-python</a:t>
-            </a:r>
-          </a:p>
-          <a:p>
-            <a:r>
-              <a:rPr lang="en-US" dirty="0"/>
-              <a:t>https://realpython.com/installing-python/</a:t>
-            </a:r>
-          </a:p>
-          <a:p>
-            <a:r>
-              <a:rPr lang="en-US" dirty="0"/>
-              <a:t>https://www.google.com/search?safe=strict&amp;biw=1366&amp;bih=663&amp;tbm=isch&amp;sa=1&amp;ei=zbeTXI_WIbSYmge0xb74DA&amp;q=pip+instal</a:t>
-            </a:r>
-          </a:p>
-          <a:p>
-            <a:r>
-              <a:rPr lang="en-US" dirty="0"/>
-              <a:t>https://www.youtube.com/watch?v=zPMr0lEMqpo</a:t>
-            </a:r>
-          </a:p>
-          <a:p>
-            <a:r>
-              <a:rPr lang="en-US" dirty="0"/>
-              <a:t>https://www.youtube.com/watch?v=dRWleqAdyW0</a:t>
-            </a:r>
-          </a:p>
-        </p:txBody>
-      </p:sp>
+            <a:endParaRPr lang="id-ID" dirty="0"/>
+          </a:p>
+        </p:txBody>
+      </p:sp>
+      <p:pic>
+        <p:nvPicPr>
+          <p:cNvPr id="1026" name="Picture 2"/>
+          <p:cNvPicPr>
+            <a:picLocks noChangeAspect="1" noChangeArrowheads="1"/>
+          </p:cNvPicPr>
+          <p:nvPr/>
+        </p:nvPicPr>
+        <p:blipFill>
+          <a:blip r:embed="rId2">
+            <a:extLst>
+              <a:ext uri="{28A0092B-C50C-407E-A947-70E740481C1C}">
+                <a14:useLocalDpi xmlns:a14="http://schemas.microsoft.com/office/drawing/2010/main" val="0"/>
+              </a:ext>
+            </a:extLst>
+          </a:blip>
+          <a:srcRect/>
+          <a:stretch>
+            <a:fillRect/>
+          </a:stretch>
+        </p:blipFill>
+        <p:spPr bwMode="auto">
+          <a:xfrm>
+            <a:off x="1788889" y="2463085"/>
+            <a:ext cx="8124825" cy="3657600"/>
+          </a:xfrm>
+          <a:prstGeom prst="rect">
+            <a:avLst/>
+          </a:prstGeom>
+          <a:noFill/>
+          <a:ln>
+            <a:noFill/>
+          </a:ln>
+          <a:effectLst/>
+          <a:extLst>
+            <a:ext uri="{909E8E84-426E-40DD-AFC4-6F175D3DCCD1}">
+              <a14:hiddenFill xmlns:a14="http://schemas.microsoft.com/office/drawing/2010/main">
+                <a:solidFill>
+                  <a:schemeClr val="accent1"/>
+                </a:solidFill>
+              </a14:hiddenFill>
+            </a:ext>
+            <a:ext uri="{91240B29-F687-4F45-9708-019B960494DF}">
+              <a14:hiddenLine xmlns:a14="http://schemas.microsoft.com/office/drawing/2010/main" w="9525">
+                <a:solidFill>
+                  <a:schemeClr val="tx1"/>
+                </a:solidFill>
+                <a:miter lim="800000"/>
+                <a:headEnd/>
+                <a:tailEnd/>
+              </a14:hiddenLine>
+            </a:ext>
+            <a:ext uri="{AF507438-7753-43E0-B8FC-AC1667EBCBE1}">
+              <a14:hiddenEffects xmlns:a14="http://schemas.microsoft.com/office/drawing/2010/main">
+                <a:effectLst>
+                  <a:outerShdw dist="35921" dir="2700000" algn="ctr" rotWithShape="0">
+                    <a:schemeClr val="bg2"/>
+                  </a:outerShdw>
+                </a:effectLst>
+              </a14:hiddenEffects>
+            </a:ext>
+          </a:extLst>
+        </p:spPr>
+      </p:pic>
     </p:spTree>
     <p:extLst>
       <p:ext uri="{BB962C8B-B14F-4D97-AF65-F5344CB8AC3E}">
-        <p14:creationId xmlns:p14="http://schemas.microsoft.com/office/powerpoint/2010/main" val="3008689921"/>
+        <p14:creationId xmlns:p14="http://schemas.microsoft.com/office/powerpoint/2010/main" val="2716960572"/>
+      </p:ext>
+    </p:extLst>
+  </p:cSld>
+  <p:clrMapOvr>
+    <a:masterClrMapping/>
+  </p:clrMapOvr>
+</p:sld>
+</file>
+
+<file path=ppt/slides/slide29.xml><?xml version="1.0" encoding="utf-8"?>
+<p:sld xmlns:a="http://schemas.openxmlformats.org/drawingml/2006/main" xmlns:r="http://schemas.openxmlformats.org/officeDocument/2006/relationships" xmlns:p="http://schemas.openxmlformats.org/presentationml/2006/main">
+  <p:cSld>
+    <p:spTree>
+      <p:nvGrpSpPr>
+        <p:cNvPr id="1" name=""/>
+        <p:cNvGrpSpPr/>
+        <p:nvPr/>
+      </p:nvGrpSpPr>
+      <p:grpSpPr>
+        <a:xfrm>
+          <a:off x="0" y="0"/>
+          <a:ext cx="0" cy="0"/>
+          <a:chOff x="0" y="0"/>
+          <a:chExt cx="0" cy="0"/>
+        </a:xfrm>
+      </p:grpSpPr>
+      <p:sp>
+        <p:nvSpPr>
+          <p:cNvPr id="2" name="Title 1"/>
+          <p:cNvSpPr>
+            <a:spLocks noGrp="1"/>
+          </p:cNvSpPr>
+          <p:nvPr>
+            <p:ph type="title"/>
+          </p:nvPr>
+        </p:nvSpPr>
+        <p:spPr/>
+        <p:txBody>
+          <a:bodyPr/>
+          <a:lstStyle/>
+          <a:p>
+            <a:r>
+              <a:rPr lang="en-US" dirty="0" err="1"/>
+              <a:t>Instalasi</a:t>
+            </a:r>
+            <a:r>
+              <a:rPr lang="en-US" dirty="0"/>
+              <a:t> </a:t>
+            </a:r>
+            <a:r>
+              <a:rPr lang="en-US" dirty="0" smtClean="0"/>
+              <a:t>package </a:t>
+            </a:r>
+            <a:r>
+              <a:rPr lang="en-US" dirty="0" err="1" smtClean="0"/>
+              <a:t>jupyter</a:t>
+            </a:r>
+            <a:endParaRPr lang="id-ID" dirty="0"/>
+          </a:p>
+        </p:txBody>
+      </p:sp>
+      <p:sp>
+        <p:nvSpPr>
+          <p:cNvPr id="3" name="Content Placeholder 2"/>
+          <p:cNvSpPr>
+            <a:spLocks noGrp="1"/>
+          </p:cNvSpPr>
+          <p:nvPr>
+            <p:ph idx="1"/>
+          </p:nvPr>
+        </p:nvSpPr>
+        <p:spPr/>
+        <p:txBody>
+          <a:bodyPr/>
+          <a:lstStyle/>
+          <a:p>
+            <a:r>
+              <a:rPr lang="id-ID" dirty="0"/>
+              <a:t>Untuk melakukan instalasi jupyter di windows menggunakan pip, pastikan terlebih dahulu telah mellakukan instalasi python di windows. Setelah terinstall pythonnya, silahkan jalankan command dibawah ini</a:t>
+            </a:r>
+            <a:r>
+              <a:rPr lang="id-ID" dirty="0" smtClean="0"/>
+              <a:t>:</a:t>
+            </a:r>
+            <a:endParaRPr lang="en-US" dirty="0" smtClean="0"/>
+          </a:p>
+          <a:p>
+            <a:endParaRPr lang="id-ID" dirty="0"/>
+          </a:p>
+        </p:txBody>
+      </p:sp>
+      <p:pic>
+        <p:nvPicPr>
+          <p:cNvPr id="2050" name="Picture 2"/>
+          <p:cNvPicPr>
+            <a:picLocks noChangeAspect="1" noChangeArrowheads="1"/>
+          </p:cNvPicPr>
+          <p:nvPr/>
+        </p:nvPicPr>
+        <p:blipFill>
+          <a:blip r:embed="rId2">
+            <a:extLst>
+              <a:ext uri="{28A0092B-C50C-407E-A947-70E740481C1C}">
+                <a14:useLocalDpi xmlns:a14="http://schemas.microsoft.com/office/drawing/2010/main" val="0"/>
+              </a:ext>
+            </a:extLst>
+          </a:blip>
+          <a:srcRect/>
+          <a:stretch>
+            <a:fillRect/>
+          </a:stretch>
+        </p:blipFill>
+        <p:spPr bwMode="auto">
+          <a:xfrm>
+            <a:off x="2404996" y="3429000"/>
+            <a:ext cx="6686550" cy="2314575"/>
+          </a:xfrm>
+          <a:prstGeom prst="rect">
+            <a:avLst/>
+          </a:prstGeom>
+          <a:noFill/>
+          <a:ln>
+            <a:noFill/>
+          </a:ln>
+          <a:effectLst/>
+          <a:extLst>
+            <a:ext uri="{909E8E84-426E-40DD-AFC4-6F175D3DCCD1}">
+              <a14:hiddenFill xmlns:a14="http://schemas.microsoft.com/office/drawing/2010/main">
+                <a:solidFill>
+                  <a:schemeClr val="accent1"/>
+                </a:solidFill>
+              </a14:hiddenFill>
+            </a:ext>
+            <a:ext uri="{91240B29-F687-4F45-9708-019B960494DF}">
+              <a14:hiddenLine xmlns:a14="http://schemas.microsoft.com/office/drawing/2010/main" w="9525">
+                <a:solidFill>
+                  <a:schemeClr val="tx1"/>
+                </a:solidFill>
+                <a:miter lim="800000"/>
+                <a:headEnd/>
+                <a:tailEnd/>
+              </a14:hiddenLine>
+            </a:ext>
+            <a:ext uri="{AF507438-7753-43E0-B8FC-AC1667EBCBE1}">
+              <a14:hiddenEffects xmlns:a14="http://schemas.microsoft.com/office/drawing/2010/main">
+                <a:effectLst>
+                  <a:outerShdw dist="35921" dir="2700000" algn="ctr" rotWithShape="0">
+                    <a:schemeClr val="bg2"/>
+                  </a:outerShdw>
+                </a:effectLst>
+              </a14:hiddenEffects>
+            </a:ext>
+          </a:extLst>
+        </p:spPr>
+      </p:pic>
+    </p:spTree>
+    <p:extLst>
+      <p:ext uri="{BB962C8B-B14F-4D97-AF65-F5344CB8AC3E}">
+        <p14:creationId xmlns:p14="http://schemas.microsoft.com/office/powerpoint/2010/main" val="1694230840"/>
       </p:ext>
     </p:extLst>
   </p:cSld>
@@ -9358,7 +9557,7 @@
           <p:cNvPr id="2" name="Title 1">
             <a:extLst>
               <a:ext uri="{FF2B5EF4-FFF2-40B4-BE49-F238E27FC236}">
-                <a16:creationId xmlns="" xmlns:a16="http://schemas.microsoft.com/office/drawing/2014/main" id="{E032B052-9AB9-479B-B9CC-8BDFDF47E40C}"/>
+                <a16:creationId xmlns:a16="http://schemas.microsoft.com/office/drawing/2014/main" xmlns="" id="{E032B052-9AB9-479B-B9CC-8BDFDF47E40C}"/>
               </a:ext>
             </a:extLst>
           </p:cNvPr>
@@ -9395,7 +9594,7 @@
           <p:cNvPr id="5" name="Content Placeholder 4">
             <a:extLst>
               <a:ext uri="{FF2B5EF4-FFF2-40B4-BE49-F238E27FC236}">
-                <a16:creationId xmlns="" xmlns:a16="http://schemas.microsoft.com/office/drawing/2014/main" id="{4A9C24B5-D444-4B53-A672-0741C9EEEA28}"/>
+                <a16:creationId xmlns:a16="http://schemas.microsoft.com/office/drawing/2014/main" xmlns="" id="{4A9C24B5-D444-4B53-A672-0741C9EEEA28}"/>
               </a:ext>
             </a:extLst>
           </p:cNvPr>
@@ -9427,7 +9626,7 @@
           <p:cNvPr id="6" name="Content Placeholder 5">
             <a:extLst>
               <a:ext uri="{FF2B5EF4-FFF2-40B4-BE49-F238E27FC236}">
-                <a16:creationId xmlns="" xmlns:a16="http://schemas.microsoft.com/office/drawing/2014/main" id="{0CFEC6E1-C846-4CE0-9B18-CAD7F70A983B}"/>
+                <a16:creationId xmlns:a16="http://schemas.microsoft.com/office/drawing/2014/main" xmlns="" id="{0CFEC6E1-C846-4CE0-9B18-CAD7F70A983B}"/>
               </a:ext>
             </a:extLst>
           </p:cNvPr>
@@ -9467,6 +9666,262 @@
 </p:sld>
 </file>
 
+<file path=ppt/slides/slide30.xml><?xml version="1.0" encoding="utf-8"?>
+<p:sld xmlns:a="http://schemas.openxmlformats.org/drawingml/2006/main" xmlns:r="http://schemas.openxmlformats.org/officeDocument/2006/relationships" xmlns:p="http://schemas.openxmlformats.org/presentationml/2006/main">
+  <p:cSld>
+    <p:spTree>
+      <p:nvGrpSpPr>
+        <p:cNvPr id="1" name=""/>
+        <p:cNvGrpSpPr/>
+        <p:nvPr/>
+      </p:nvGrpSpPr>
+      <p:grpSpPr>
+        <a:xfrm>
+          <a:off x="0" y="0"/>
+          <a:ext cx="0" cy="0"/>
+          <a:chOff x="0" y="0"/>
+          <a:chExt cx="0" cy="0"/>
+        </a:xfrm>
+      </p:grpSpPr>
+      <p:sp>
+        <p:nvSpPr>
+          <p:cNvPr id="3" name="Content Placeholder 2"/>
+          <p:cNvSpPr>
+            <a:spLocks noGrp="1"/>
+          </p:cNvSpPr>
+          <p:nvPr>
+            <p:ph idx="1"/>
+          </p:nvPr>
+        </p:nvSpPr>
+        <p:spPr>
+          <a:xfrm>
+            <a:off x="1024128" y="824248"/>
+            <a:ext cx="9720073" cy="5485112"/>
+          </a:xfrm>
+        </p:spPr>
+        <p:txBody>
+          <a:bodyPr/>
+          <a:lstStyle/>
+          <a:p>
+            <a:r>
+              <a:rPr lang="id-ID" dirty="0"/>
+              <a:t>Setelah melakukan instalasi jupyter di windows, pastikan tidak ada error saat melakukan instalasi. Untuk mengecek jupyter telah terinstall, bisa menggunakan command pada CMD pada windows atau Terminal di Linux/MacOS seperti dibawah ini</a:t>
+            </a:r>
+            <a:r>
+              <a:rPr lang="id-ID" dirty="0" smtClean="0"/>
+              <a:t>:</a:t>
+            </a:r>
+            <a:endParaRPr lang="en-US" dirty="0" smtClean="0"/>
+          </a:p>
+          <a:p>
+            <a:endParaRPr lang="id-ID" dirty="0"/>
+          </a:p>
+        </p:txBody>
+      </p:sp>
+      <p:pic>
+        <p:nvPicPr>
+          <p:cNvPr id="3074" name="Picture 2"/>
+          <p:cNvPicPr>
+            <a:picLocks noChangeAspect="1" noChangeArrowheads="1"/>
+          </p:cNvPicPr>
+          <p:nvPr/>
+        </p:nvPicPr>
+        <p:blipFill>
+          <a:blip r:embed="rId2">
+            <a:extLst>
+              <a:ext uri="{28A0092B-C50C-407E-A947-70E740481C1C}">
+                <a14:useLocalDpi xmlns:a14="http://schemas.microsoft.com/office/drawing/2010/main" val="0"/>
+              </a:ext>
+            </a:extLst>
+          </a:blip>
+          <a:srcRect/>
+          <a:stretch>
+            <a:fillRect/>
+          </a:stretch>
+        </p:blipFill>
+        <p:spPr bwMode="auto">
+          <a:xfrm>
+            <a:off x="2593954" y="2268494"/>
+            <a:ext cx="6772275" cy="3686175"/>
+          </a:xfrm>
+          <a:prstGeom prst="rect">
+            <a:avLst/>
+          </a:prstGeom>
+          <a:noFill/>
+          <a:ln>
+            <a:noFill/>
+          </a:ln>
+          <a:effectLst/>
+          <a:extLst>
+            <a:ext uri="{909E8E84-426E-40DD-AFC4-6F175D3DCCD1}">
+              <a14:hiddenFill xmlns:a14="http://schemas.microsoft.com/office/drawing/2010/main">
+                <a:solidFill>
+                  <a:schemeClr val="accent1"/>
+                </a:solidFill>
+              </a14:hiddenFill>
+            </a:ext>
+            <a:ext uri="{91240B29-F687-4F45-9708-019B960494DF}">
+              <a14:hiddenLine xmlns:a14="http://schemas.microsoft.com/office/drawing/2010/main" w="9525">
+                <a:solidFill>
+                  <a:schemeClr val="tx1"/>
+                </a:solidFill>
+                <a:miter lim="800000"/>
+                <a:headEnd/>
+                <a:tailEnd/>
+              </a14:hiddenLine>
+            </a:ext>
+            <a:ext uri="{AF507438-7753-43E0-B8FC-AC1667EBCBE1}">
+              <a14:hiddenEffects xmlns:a14="http://schemas.microsoft.com/office/drawing/2010/main">
+                <a:effectLst>
+                  <a:outerShdw dist="35921" dir="2700000" algn="ctr" rotWithShape="0">
+                    <a:schemeClr val="bg2"/>
+                  </a:outerShdw>
+                </a:effectLst>
+              </a14:hiddenEffects>
+            </a:ext>
+          </a:extLst>
+        </p:spPr>
+      </p:pic>
+    </p:spTree>
+    <p:extLst>
+      <p:ext uri="{BB962C8B-B14F-4D97-AF65-F5344CB8AC3E}">
+        <p14:creationId xmlns:p14="http://schemas.microsoft.com/office/powerpoint/2010/main" val="3266012252"/>
+      </p:ext>
+    </p:extLst>
+  </p:cSld>
+  <p:clrMapOvr>
+    <a:masterClrMapping/>
+  </p:clrMapOvr>
+</p:sld>
+</file>
+
+<file path=ppt/slides/slide31.xml><?xml version="1.0" encoding="utf-8"?>
+<p:sld xmlns:a="http://schemas.openxmlformats.org/drawingml/2006/main" xmlns:r="http://schemas.openxmlformats.org/officeDocument/2006/relationships" xmlns:p="http://schemas.openxmlformats.org/presentationml/2006/main">
+  <p:cSld>
+    <p:spTree>
+      <p:nvGrpSpPr>
+        <p:cNvPr id="1" name=""/>
+        <p:cNvGrpSpPr/>
+        <p:nvPr/>
+      </p:nvGrpSpPr>
+      <p:grpSpPr>
+        <a:xfrm>
+          <a:off x="0" y="0"/>
+          <a:ext cx="0" cy="0"/>
+          <a:chOff x="0" y="0"/>
+          <a:chExt cx="0" cy="0"/>
+        </a:xfrm>
+      </p:grpSpPr>
+      <p:sp>
+        <p:nvSpPr>
+          <p:cNvPr id="2" name="Title 1">
+            <a:extLst>
+              <a:ext uri="{FF2B5EF4-FFF2-40B4-BE49-F238E27FC236}">
+                <a16:creationId xmlns:a16="http://schemas.microsoft.com/office/drawing/2014/main" xmlns="" id="{50885E28-54E8-491F-B17E-A52F3B7F1523}"/>
+              </a:ext>
+            </a:extLst>
+          </p:cNvPr>
+          <p:cNvSpPr>
+            <a:spLocks noGrp="1"/>
+          </p:cNvSpPr>
+          <p:nvPr>
+            <p:ph type="title"/>
+          </p:nvPr>
+        </p:nvSpPr>
+        <p:spPr/>
+        <p:txBody>
+          <a:bodyPr/>
+          <a:lstStyle/>
+          <a:p>
+            <a:r>
+              <a:rPr lang="en-US" dirty="0"/>
+              <a:t>daftar PUSTAKA</a:t>
+            </a:r>
+          </a:p>
+        </p:txBody>
+      </p:sp>
+      <p:sp>
+        <p:nvSpPr>
+          <p:cNvPr id="3" name="Content Placeholder 2">
+            <a:extLst>
+              <a:ext uri="{FF2B5EF4-FFF2-40B4-BE49-F238E27FC236}">
+                <a16:creationId xmlns:a16="http://schemas.microsoft.com/office/drawing/2014/main" xmlns="" id="{537CB976-9A37-48BA-B3B7-47CDB98CC564}"/>
+              </a:ext>
+            </a:extLst>
+          </p:cNvPr>
+          <p:cNvSpPr>
+            <a:spLocks noGrp="1"/>
+          </p:cNvSpPr>
+          <p:nvPr>
+            <p:ph idx="1"/>
+          </p:nvPr>
+        </p:nvSpPr>
+        <p:spPr/>
+        <p:txBody>
+          <a:bodyPr>
+            <a:normAutofit/>
+          </a:bodyPr>
+          <a:lstStyle/>
+          <a:p>
+            <a:r>
+              <a:rPr lang="en-US" dirty="0"/>
+              <a:t>https://belajarpython.com/tutorial/tipe-data-python</a:t>
+            </a:r>
+          </a:p>
+          <a:p>
+            <a:r>
+              <a:rPr lang="en-US" dirty="0"/>
+              <a:t>https://realpython.com/installing-python/</a:t>
+            </a:r>
+          </a:p>
+          <a:p>
+            <a:r>
+              <a:rPr lang="en-US" dirty="0"/>
+              <a:t>https://www.google.com/search?safe=strict&amp;biw=1366&amp;bih=663&amp;tbm=isch&amp;sa=1&amp;ei=zbeTXI_WIbSYmge0xb74DA&amp;q=pip+instal</a:t>
+            </a:r>
+          </a:p>
+          <a:p>
+            <a:r>
+              <a:rPr lang="en-US" dirty="0"/>
+              <a:t>https://www.youtube.com/watch?v=zPMr0lEMqpo</a:t>
+            </a:r>
+          </a:p>
+          <a:p>
+            <a:r>
+              <a:rPr lang="en-US" dirty="0"/>
+              <a:t>https://beril.id/instalasi-jupyter-di-windows/</a:t>
+            </a:r>
+          </a:p>
+          <a:p>
+            <a:r>
+              <a:rPr lang="en-US" dirty="0"/>
+              <a:t>https://seaborn.pydata.org/installing.html</a:t>
+            </a:r>
+          </a:p>
+          <a:p>
+            <a:r>
+              <a:rPr lang="en-US" dirty="0"/>
+              <a:t>https://www.youtube.com/watch?v=dRWleqAdyW0</a:t>
+            </a:r>
+          </a:p>
+          <a:p>
+            <a:endParaRPr lang="en-US" dirty="0"/>
+          </a:p>
+        </p:txBody>
+      </p:sp>
+    </p:spTree>
+    <p:extLst>
+      <p:ext uri="{BB962C8B-B14F-4D97-AF65-F5344CB8AC3E}">
+        <p14:creationId xmlns:p14="http://schemas.microsoft.com/office/powerpoint/2010/main" val="3008689921"/>
+      </p:ext>
+    </p:extLst>
+  </p:cSld>
+  <p:clrMapOvr>
+    <a:masterClrMapping/>
+  </p:clrMapOvr>
+</p:sld>
+</file>
+
 <file path=ppt/slides/slide4.xml><?xml version="1.0" encoding="utf-8"?>
 <p:sld xmlns:a="http://schemas.openxmlformats.org/drawingml/2006/main" xmlns:r="http://schemas.openxmlformats.org/officeDocument/2006/relationships" xmlns:p="http://schemas.openxmlformats.org/presentationml/2006/main">
   <p:cSld>
@@ -9489,7 +9944,7 @@
           <p:cNvPr id="2" name="Title 1">
             <a:extLst>
               <a:ext uri="{FF2B5EF4-FFF2-40B4-BE49-F238E27FC236}">
-                <a16:creationId xmlns="" xmlns:a16="http://schemas.microsoft.com/office/drawing/2014/main" id="{3A8F8451-4288-45F8-B193-661A95F84E1A}"/>
+                <a16:creationId xmlns:a16="http://schemas.microsoft.com/office/drawing/2014/main" xmlns="" id="{3A8F8451-4288-45F8-B193-661A95F84E1A}"/>
               </a:ext>
             </a:extLst>
           </p:cNvPr>
@@ -9521,7 +9976,7 @@
           <p:cNvPr id="4" name="Content Placeholder 3">
             <a:extLst>
               <a:ext uri="{FF2B5EF4-FFF2-40B4-BE49-F238E27FC236}">
-                <a16:creationId xmlns="" xmlns:a16="http://schemas.microsoft.com/office/drawing/2014/main" id="{285C7218-A6C3-4EF4-ACE8-2B45A555107D}"/>
+                <a16:creationId xmlns:a16="http://schemas.microsoft.com/office/drawing/2014/main" xmlns="" id="{285C7218-A6C3-4EF4-ACE8-2B45A555107D}"/>
               </a:ext>
             </a:extLst>
           </p:cNvPr>
@@ -9553,7 +10008,7 @@
           <p:cNvPr id="5" name="Picture 4">
             <a:extLst>
               <a:ext uri="{FF2B5EF4-FFF2-40B4-BE49-F238E27FC236}">
-                <a16:creationId xmlns="" xmlns:a16="http://schemas.microsoft.com/office/drawing/2014/main" id="{2BBDA339-C238-4706-BF18-C0CE7E59D725}"/>
+                <a16:creationId xmlns:a16="http://schemas.microsoft.com/office/drawing/2014/main" xmlns="" id="{2BBDA339-C238-4706-BF18-C0CE7E59D725}"/>
               </a:ext>
             </a:extLst>
           </p:cNvPr>
@@ -9583,7 +10038,7 @@
           <p:cNvPr id="6" name="Picture 5">
             <a:extLst>
               <a:ext uri="{FF2B5EF4-FFF2-40B4-BE49-F238E27FC236}">
-                <a16:creationId xmlns="" xmlns:a16="http://schemas.microsoft.com/office/drawing/2014/main" id="{97AEEABC-83DE-42BE-BAA9-F199E22AB3EE}"/>
+                <a16:creationId xmlns:a16="http://schemas.microsoft.com/office/drawing/2014/main" xmlns="" id="{97AEEABC-83DE-42BE-BAA9-F199E22AB3EE}"/>
               </a:ext>
             </a:extLst>
           </p:cNvPr>
@@ -9613,7 +10068,7 @@
           <p:cNvPr id="7" name="Arrow: Right 6">
             <a:extLst>
               <a:ext uri="{FF2B5EF4-FFF2-40B4-BE49-F238E27FC236}">
-                <a16:creationId xmlns="" xmlns:a16="http://schemas.microsoft.com/office/drawing/2014/main" id="{B6E387C2-4D4E-438D-9422-C9A9ADFEEF98}"/>
+                <a16:creationId xmlns:a16="http://schemas.microsoft.com/office/drawing/2014/main" xmlns="" id="{B6E387C2-4D4E-438D-9422-C9A9ADFEEF98}"/>
               </a:ext>
             </a:extLst>
           </p:cNvPr>
@@ -9659,7 +10114,7 @@
           <p:cNvPr id="8" name="Arrow: Right 7">
             <a:extLst>
               <a:ext uri="{FF2B5EF4-FFF2-40B4-BE49-F238E27FC236}">
-                <a16:creationId xmlns="" xmlns:a16="http://schemas.microsoft.com/office/drawing/2014/main" id="{CD1BA66C-3167-440E-BBEE-99BEDCB22C76}"/>
+                <a16:creationId xmlns:a16="http://schemas.microsoft.com/office/drawing/2014/main" xmlns="" id="{CD1BA66C-3167-440E-BBEE-99BEDCB22C76}"/>
               </a:ext>
             </a:extLst>
           </p:cNvPr>
@@ -9735,7 +10190,7 @@
           <p:cNvPr id="2" name="Title 1">
             <a:extLst>
               <a:ext uri="{FF2B5EF4-FFF2-40B4-BE49-F238E27FC236}">
-                <a16:creationId xmlns="" xmlns:a16="http://schemas.microsoft.com/office/drawing/2014/main" id="{DF8EAD61-6B60-473A-8B38-96661AABEE3F}"/>
+                <a16:creationId xmlns:a16="http://schemas.microsoft.com/office/drawing/2014/main" xmlns="" id="{DF8EAD61-6B60-473A-8B38-96661AABEE3F}"/>
               </a:ext>
             </a:extLst>
           </p:cNvPr>
@@ -9764,7 +10219,7 @@
           <p:cNvPr id="5" name="Content Placeholder 4">
             <a:extLst>
               <a:ext uri="{FF2B5EF4-FFF2-40B4-BE49-F238E27FC236}">
-                <a16:creationId xmlns="" xmlns:a16="http://schemas.microsoft.com/office/drawing/2014/main" id="{97F29B70-DFCB-4B02-A4E5-782BFAA51A07}"/>
+                <a16:creationId xmlns:a16="http://schemas.microsoft.com/office/drawing/2014/main" xmlns="" id="{97F29B70-DFCB-4B02-A4E5-782BFAA51A07}"/>
               </a:ext>
             </a:extLst>
           </p:cNvPr>
@@ -9796,7 +10251,7 @@
           <p:cNvPr id="6" name="Content Placeholder 5">
             <a:extLst>
               <a:ext uri="{FF2B5EF4-FFF2-40B4-BE49-F238E27FC236}">
-                <a16:creationId xmlns="" xmlns:a16="http://schemas.microsoft.com/office/drawing/2014/main" id="{4822F0E7-21FB-402F-8482-522707761E2A}"/>
+                <a16:creationId xmlns:a16="http://schemas.microsoft.com/office/drawing/2014/main" xmlns="" id="{4822F0E7-21FB-402F-8482-522707761E2A}"/>
               </a:ext>
             </a:extLst>
           </p:cNvPr>
@@ -10268,7 +10723,7 @@
           <p:cNvPr id="2" name="Title 1">
             <a:extLst>
               <a:ext uri="{FF2B5EF4-FFF2-40B4-BE49-F238E27FC236}">
-                <a16:creationId xmlns="" xmlns:a16="http://schemas.microsoft.com/office/drawing/2014/main" id="{5A711E72-9DB2-49FD-85FD-2DF96E428427}"/>
+                <a16:creationId xmlns:a16="http://schemas.microsoft.com/office/drawing/2014/main" xmlns="" id="{5A711E72-9DB2-49FD-85FD-2DF96E428427}"/>
               </a:ext>
             </a:extLst>
           </p:cNvPr>
@@ -10301,7 +10756,7 @@
           <p:cNvPr id="15" name="Picture 14">
             <a:extLst>
               <a:ext uri="{FF2B5EF4-FFF2-40B4-BE49-F238E27FC236}">
-                <a16:creationId xmlns="" xmlns:a16="http://schemas.microsoft.com/office/drawing/2014/main" id="{A28356B7-51E2-4715-A124-6DB5FE170C49}"/>
+                <a16:creationId xmlns:a16="http://schemas.microsoft.com/office/drawing/2014/main" xmlns="" id="{A28356B7-51E2-4715-A124-6DB5FE170C49}"/>
               </a:ext>
             </a:extLst>
           </p:cNvPr>
@@ -10659,7 +11114,7 @@
           <p:cNvPr id="2" name="Title 1">
             <a:extLst>
               <a:ext uri="{FF2B5EF4-FFF2-40B4-BE49-F238E27FC236}">
-                <a16:creationId xmlns="" xmlns:a16="http://schemas.microsoft.com/office/drawing/2014/main" id="{BE2948F8-1ECB-4FD8-B2C9-8B8FF33D8DD1}"/>
+                <a16:creationId xmlns:a16="http://schemas.microsoft.com/office/drawing/2014/main" xmlns="" id="{BE2948F8-1ECB-4FD8-B2C9-8B8FF33D8DD1}"/>
               </a:ext>
             </a:extLst>
           </p:cNvPr>
@@ -10691,7 +11146,7 @@
           <p:cNvPr id="4" name="Content Placeholder 3">
             <a:extLst>
               <a:ext uri="{FF2B5EF4-FFF2-40B4-BE49-F238E27FC236}">
-                <a16:creationId xmlns="" xmlns:a16="http://schemas.microsoft.com/office/drawing/2014/main" id="{BFC5BDE9-00B6-4E6D-905D-FE57DF585974}"/>
+                <a16:creationId xmlns:a16="http://schemas.microsoft.com/office/drawing/2014/main" xmlns="" id="{BFC5BDE9-00B6-4E6D-905D-FE57DF585974}"/>
               </a:ext>
             </a:extLst>
           </p:cNvPr>
@@ -10723,7 +11178,7 @@
           <p:cNvPr id="5" name="Picture 4">
             <a:extLst>
               <a:ext uri="{FF2B5EF4-FFF2-40B4-BE49-F238E27FC236}">
-                <a16:creationId xmlns="" xmlns:a16="http://schemas.microsoft.com/office/drawing/2014/main" id="{5FA3D9D4-6D55-466D-AF35-3FD2AB89A236}"/>
+                <a16:creationId xmlns:a16="http://schemas.microsoft.com/office/drawing/2014/main" xmlns="" id="{5FA3D9D4-6D55-466D-AF35-3FD2AB89A236}"/>
               </a:ext>
             </a:extLst>
           </p:cNvPr>
@@ -10753,7 +11208,7 @@
           <p:cNvPr id="6" name="Picture 5">
             <a:extLst>
               <a:ext uri="{FF2B5EF4-FFF2-40B4-BE49-F238E27FC236}">
-                <a16:creationId xmlns="" xmlns:a16="http://schemas.microsoft.com/office/drawing/2014/main" id="{FE3ECCDC-723C-44E6-AFDD-3EDA3B60FDFE}"/>
+                <a16:creationId xmlns:a16="http://schemas.microsoft.com/office/drawing/2014/main" xmlns="" id="{FE3ECCDC-723C-44E6-AFDD-3EDA3B60FDFE}"/>
               </a:ext>
             </a:extLst>
           </p:cNvPr>
@@ -10834,7 +11289,7 @@
     </a:clrScheme>
     <a:fontScheme name="Integral">
       <a:majorFont>
-        <a:latin typeface="Tw Cen MT Condensed" panose="020B0606020104020203"/>
+        <a:latin typeface="Tw Cen MT Condensed"/>
         <a:ea typeface=""/>
         <a:cs typeface=""/>
         <a:font script="Grek" typeface="Calibri"/>
@@ -10871,7 +11326,7 @@
         <a:font script="Geor" typeface="Sylfaen"/>
       </a:majorFont>
       <a:minorFont>
-        <a:latin typeface="Tw Cen MT" panose="020B0602020104020603"/>
+        <a:latin typeface="Tw Cen MT"/>
         <a:ea typeface=""/>
         <a:cs typeface=""/>
         <a:font script="Grek" typeface="Calibri"/>
@@ -11053,7 +11508,7 @@
   <a:extraClrSchemeLst/>
   <a:extLst>
     <a:ext uri="{05A4C25C-085E-4340-85A3-A5531E510DB2}">
-      <thm15:themeFamily xmlns:thm15="http://schemas.microsoft.com/office/thememl/2012/main" name="Integral" id="{3577F8C9-A904-41D8-97D2-FD898F53F20E}" vid="{29F68FFC-748B-4FC3-BF39-7F84A6D5840F}"/>
+      <thm15:themeFamily xmlns:thm15="http://schemas.microsoft.com/office/thememl/2012/main" xmlns="" name="Integral" id="{3577F8C9-A904-41D8-97D2-FD898F53F20E}" vid="{29F68FFC-748B-4FC3-BF39-7F84A6D5840F}"/>
     </a:ext>
   </a:extLst>
 </a:theme>

--- a/Tugas1/pengenalan phyton.pptx
+++ b/Tugas1/pengenalan phyton.pptx
@@ -136,7 +136,7 @@
   </p:defaultTextStyle>
   <p:extLst>
     <p:ext uri="{EFAFB233-063F-42B5-8137-9DF3F51BA10A}">
-      <p15:sldGuideLst xmlns:p15="http://schemas.microsoft.com/office/powerpoint/2012/main" xmlns=""/>
+      <p15:sldGuideLst xmlns="" xmlns:p15="http://schemas.microsoft.com/office/powerpoint/2012/main"/>
     </p:ext>
   </p:extLst>
 </p:presentation>
@@ -3447,7 +3447,7 @@
           <p:cNvPr id="2" name="Title 1">
             <a:extLst>
               <a:ext uri="{FF2B5EF4-FFF2-40B4-BE49-F238E27FC236}">
-                <a16:creationId xmlns:a16="http://schemas.microsoft.com/office/drawing/2014/main" xmlns="" id="{520068CD-209F-437B-B987-C9DFE8B842EF}"/>
+                <a16:creationId xmlns="" xmlns:a16="http://schemas.microsoft.com/office/drawing/2014/main" id="{520068CD-209F-437B-B987-C9DFE8B842EF}"/>
               </a:ext>
             </a:extLst>
           </p:cNvPr>
@@ -3475,7 +3475,7 @@
           <p:cNvPr id="3" name="Subtitle 2">
             <a:extLst>
               <a:ext uri="{FF2B5EF4-FFF2-40B4-BE49-F238E27FC236}">
-                <a16:creationId xmlns:a16="http://schemas.microsoft.com/office/drawing/2014/main" xmlns="" id="{535BDA10-04A1-4CE9-932D-6B11E4429625}"/>
+                <a16:creationId xmlns="" xmlns:a16="http://schemas.microsoft.com/office/drawing/2014/main" id="{535BDA10-04A1-4CE9-932D-6B11E4429625}"/>
               </a:ext>
             </a:extLst>
           </p:cNvPr>
@@ -3541,7 +3541,7 @@
           <p:cNvPr id="2" name="Title 1">
             <a:extLst>
               <a:ext uri="{FF2B5EF4-FFF2-40B4-BE49-F238E27FC236}">
-                <a16:creationId xmlns:a16="http://schemas.microsoft.com/office/drawing/2014/main" xmlns="" id="{9A60E9C4-514E-40E5-B975-DD51A20C34C3}"/>
+                <a16:creationId xmlns="" xmlns:a16="http://schemas.microsoft.com/office/drawing/2014/main" id="{9A60E9C4-514E-40E5-B975-DD51A20C34C3}"/>
               </a:ext>
             </a:extLst>
           </p:cNvPr>
@@ -3569,7 +3569,7 @@
           <p:cNvPr id="4" name="Content Placeholder 3">
             <a:extLst>
               <a:ext uri="{FF2B5EF4-FFF2-40B4-BE49-F238E27FC236}">
-                <a16:creationId xmlns:a16="http://schemas.microsoft.com/office/drawing/2014/main" xmlns="" id="{D16146F2-9F21-4D60-8821-24C86ABAC520}"/>
+                <a16:creationId xmlns="" xmlns:a16="http://schemas.microsoft.com/office/drawing/2014/main" id="{D16146F2-9F21-4D60-8821-24C86ABAC520}"/>
               </a:ext>
             </a:extLst>
           </p:cNvPr>
@@ -3601,7 +3601,7 @@
           <p:cNvPr id="5" name="TextBox 4">
             <a:extLst>
               <a:ext uri="{FF2B5EF4-FFF2-40B4-BE49-F238E27FC236}">
-                <a16:creationId xmlns:a16="http://schemas.microsoft.com/office/drawing/2014/main" xmlns="" id="{3BF0C0B2-B19C-4237-8692-65F51EB38EF6}"/>
+                <a16:creationId xmlns="" xmlns:a16="http://schemas.microsoft.com/office/drawing/2014/main" id="{3BF0C0B2-B19C-4237-8692-65F51EB38EF6}"/>
               </a:ext>
             </a:extLst>
           </p:cNvPr>
@@ -4161,7 +4161,7 @@
           <p:cNvPr id="2" name="Title 1">
             <a:extLst>
               <a:ext uri="{FF2B5EF4-FFF2-40B4-BE49-F238E27FC236}">
-                <a16:creationId xmlns:a16="http://schemas.microsoft.com/office/drawing/2014/main" xmlns="" id="{49AD996F-BEA8-4777-A69F-5DA582B8D415}"/>
+                <a16:creationId xmlns="" xmlns:a16="http://schemas.microsoft.com/office/drawing/2014/main" id="{49AD996F-BEA8-4777-A69F-5DA582B8D415}"/>
               </a:ext>
             </a:extLst>
           </p:cNvPr>
@@ -4190,7 +4190,7 @@
           <p:cNvPr id="3" name="Content Placeholder 2">
             <a:extLst>
               <a:ext uri="{FF2B5EF4-FFF2-40B4-BE49-F238E27FC236}">
-                <a16:creationId xmlns:a16="http://schemas.microsoft.com/office/drawing/2014/main" xmlns="" id="{1C3084C2-61D9-4901-A0AA-D264657A712A}"/>
+                <a16:creationId xmlns="" xmlns:a16="http://schemas.microsoft.com/office/drawing/2014/main" id="{1C3084C2-61D9-4901-A0AA-D264657A712A}"/>
               </a:ext>
             </a:extLst>
           </p:cNvPr>
@@ -4370,7 +4370,7 @@
           <p:cNvPr id="2" name="Title 1">
             <a:extLst>
               <a:ext uri="{FF2B5EF4-FFF2-40B4-BE49-F238E27FC236}">
-                <a16:creationId xmlns:a16="http://schemas.microsoft.com/office/drawing/2014/main" xmlns="" id="{AA0E214C-8AF6-4A83-8E9F-6FF926D29D37}"/>
+                <a16:creationId xmlns="" xmlns:a16="http://schemas.microsoft.com/office/drawing/2014/main" id="{AA0E214C-8AF6-4A83-8E9F-6FF926D29D37}"/>
               </a:ext>
             </a:extLst>
           </p:cNvPr>
@@ -4403,7 +4403,7 @@
           <p:cNvPr id="4" name="Content Placeholder 3">
             <a:extLst>
               <a:ext uri="{FF2B5EF4-FFF2-40B4-BE49-F238E27FC236}">
-                <a16:creationId xmlns:a16="http://schemas.microsoft.com/office/drawing/2014/main" xmlns="" id="{7DD4ED09-47DA-46DD-841F-9B5D9B0BB527}"/>
+                <a16:creationId xmlns="" xmlns:a16="http://schemas.microsoft.com/office/drawing/2014/main" id="{7DD4ED09-47DA-46DD-841F-9B5D9B0BB527}"/>
               </a:ext>
             </a:extLst>
           </p:cNvPr>
@@ -4465,7 +4465,7 @@
           <p:cNvPr id="2" name="Title 1">
             <a:extLst>
               <a:ext uri="{FF2B5EF4-FFF2-40B4-BE49-F238E27FC236}">
-                <a16:creationId xmlns:a16="http://schemas.microsoft.com/office/drawing/2014/main" xmlns="" id="{906043A6-961A-487B-8C36-4A41F318FF4B}"/>
+                <a16:creationId xmlns="" xmlns:a16="http://schemas.microsoft.com/office/drawing/2014/main" id="{906043A6-961A-487B-8C36-4A41F318FF4B}"/>
               </a:ext>
             </a:extLst>
           </p:cNvPr>
@@ -4498,7 +4498,7 @@
           <p:cNvPr id="4" name="Content Placeholder 3">
             <a:extLst>
               <a:ext uri="{FF2B5EF4-FFF2-40B4-BE49-F238E27FC236}">
-                <a16:creationId xmlns:a16="http://schemas.microsoft.com/office/drawing/2014/main" xmlns="" id="{B24A32E8-D13B-4B84-9C0E-455EF37104AB}"/>
+                <a16:creationId xmlns="" xmlns:a16="http://schemas.microsoft.com/office/drawing/2014/main" id="{B24A32E8-D13B-4B84-9C0E-455EF37104AB}"/>
               </a:ext>
             </a:extLst>
           </p:cNvPr>
@@ -4560,7 +4560,7 @@
           <p:cNvPr id="2" name="Title 1">
             <a:extLst>
               <a:ext uri="{FF2B5EF4-FFF2-40B4-BE49-F238E27FC236}">
-                <a16:creationId xmlns:a16="http://schemas.microsoft.com/office/drawing/2014/main" xmlns="" id="{700736AE-B941-44A3-956C-4935516E9656}"/>
+                <a16:creationId xmlns="" xmlns:a16="http://schemas.microsoft.com/office/drawing/2014/main" id="{700736AE-B941-44A3-956C-4935516E9656}"/>
               </a:ext>
             </a:extLst>
           </p:cNvPr>
@@ -4593,7 +4593,7 @@
           <p:cNvPr id="4" name="Content Placeholder 3">
             <a:extLst>
               <a:ext uri="{FF2B5EF4-FFF2-40B4-BE49-F238E27FC236}">
-                <a16:creationId xmlns:a16="http://schemas.microsoft.com/office/drawing/2014/main" xmlns="" id="{304A2199-D7AF-4DAF-80A9-D9BF0CA58071}"/>
+                <a16:creationId xmlns="" xmlns:a16="http://schemas.microsoft.com/office/drawing/2014/main" id="{304A2199-D7AF-4DAF-80A9-D9BF0CA58071}"/>
               </a:ext>
             </a:extLst>
           </p:cNvPr>
@@ -4655,7 +4655,7 @@
           <p:cNvPr id="2" name="Title 1">
             <a:extLst>
               <a:ext uri="{FF2B5EF4-FFF2-40B4-BE49-F238E27FC236}">
-                <a16:creationId xmlns:a16="http://schemas.microsoft.com/office/drawing/2014/main" xmlns="" id="{F3C3EFC0-55E0-4ACF-9FCA-87C6CCEDE055}"/>
+                <a16:creationId xmlns="" xmlns:a16="http://schemas.microsoft.com/office/drawing/2014/main" id="{F3C3EFC0-55E0-4ACF-9FCA-87C6CCEDE055}"/>
               </a:ext>
             </a:extLst>
           </p:cNvPr>
@@ -4683,7 +4683,7 @@
           <p:cNvPr id="3" name="Content Placeholder 2">
             <a:extLst>
               <a:ext uri="{FF2B5EF4-FFF2-40B4-BE49-F238E27FC236}">
-                <a16:creationId xmlns:a16="http://schemas.microsoft.com/office/drawing/2014/main" xmlns="" id="{622089CF-855D-4419-AB2A-197A16168D0F}"/>
+                <a16:creationId xmlns="" xmlns:a16="http://schemas.microsoft.com/office/drawing/2014/main" id="{622089CF-855D-4419-AB2A-197A16168D0F}"/>
               </a:ext>
             </a:extLst>
           </p:cNvPr>
@@ -5282,7 +5282,7 @@
           <p:cNvPr id="2" name="Title 1">
             <a:extLst>
               <a:ext uri="{FF2B5EF4-FFF2-40B4-BE49-F238E27FC236}">
-                <a16:creationId xmlns:a16="http://schemas.microsoft.com/office/drawing/2014/main" xmlns="" id="{BDC11D9A-F196-40F7-ACA3-772178CC1F64}"/>
+                <a16:creationId xmlns="" xmlns:a16="http://schemas.microsoft.com/office/drawing/2014/main" id="{BDC11D9A-F196-40F7-ACA3-772178CC1F64}"/>
               </a:ext>
             </a:extLst>
           </p:cNvPr>
@@ -5310,7 +5310,7 @@
           <p:cNvPr id="3" name="Content Placeholder 2">
             <a:extLst>
               <a:ext uri="{FF2B5EF4-FFF2-40B4-BE49-F238E27FC236}">
-                <a16:creationId xmlns:a16="http://schemas.microsoft.com/office/drawing/2014/main" xmlns="" id="{3F062B7C-F686-4B57-B005-9D205289B74D}"/>
+                <a16:creationId xmlns="" xmlns:a16="http://schemas.microsoft.com/office/drawing/2014/main" id="{3F062B7C-F686-4B57-B005-9D205289B74D}"/>
               </a:ext>
             </a:extLst>
           </p:cNvPr>
@@ -5404,7 +5404,7 @@
           <p:cNvPr id="5" name="Picture 4">
             <a:extLst>
               <a:ext uri="{FF2B5EF4-FFF2-40B4-BE49-F238E27FC236}">
-                <a16:creationId xmlns:a16="http://schemas.microsoft.com/office/drawing/2014/main" xmlns="" id="{65A2A7A5-D687-4BD7-A4BA-7762AF3A2936}"/>
+                <a16:creationId xmlns="" xmlns:a16="http://schemas.microsoft.com/office/drawing/2014/main" id="{65A2A7A5-D687-4BD7-A4BA-7762AF3A2936}"/>
               </a:ext>
             </a:extLst>
           </p:cNvPr>
@@ -5464,7 +5464,7 @@
           <p:cNvPr id="2" name="Title 1">
             <a:extLst>
               <a:ext uri="{FF2B5EF4-FFF2-40B4-BE49-F238E27FC236}">
-                <a16:creationId xmlns:a16="http://schemas.microsoft.com/office/drawing/2014/main" xmlns="" id="{9B338BA5-B1BE-4E13-8BA9-85CC10DEA24C}"/>
+                <a16:creationId xmlns="" xmlns:a16="http://schemas.microsoft.com/office/drawing/2014/main" id="{9B338BA5-B1BE-4E13-8BA9-85CC10DEA24C}"/>
               </a:ext>
             </a:extLst>
           </p:cNvPr>
@@ -5492,7 +5492,7 @@
           <p:cNvPr id="3" name="Content Placeholder 2">
             <a:extLst>
               <a:ext uri="{FF2B5EF4-FFF2-40B4-BE49-F238E27FC236}">
-                <a16:creationId xmlns:a16="http://schemas.microsoft.com/office/drawing/2014/main" xmlns="" id="{FC599789-B759-48C1-97AF-52DD1E15F455}"/>
+                <a16:creationId xmlns="" xmlns:a16="http://schemas.microsoft.com/office/drawing/2014/main" id="{FC599789-B759-48C1-97AF-52DD1E15F455}"/>
               </a:ext>
             </a:extLst>
           </p:cNvPr>
@@ -5597,7 +5597,7 @@
           <p:cNvPr id="4" name="Picture 3">
             <a:extLst>
               <a:ext uri="{FF2B5EF4-FFF2-40B4-BE49-F238E27FC236}">
-                <a16:creationId xmlns:a16="http://schemas.microsoft.com/office/drawing/2014/main" xmlns="" id="{97E88207-4269-4F27-9B87-394540FB711A}"/>
+                <a16:creationId xmlns="" xmlns:a16="http://schemas.microsoft.com/office/drawing/2014/main" id="{97E88207-4269-4F27-9B87-394540FB711A}"/>
               </a:ext>
             </a:extLst>
           </p:cNvPr>
@@ -5657,7 +5657,7 @@
           <p:cNvPr id="2" name="Title 1">
             <a:extLst>
               <a:ext uri="{FF2B5EF4-FFF2-40B4-BE49-F238E27FC236}">
-                <a16:creationId xmlns:a16="http://schemas.microsoft.com/office/drawing/2014/main" xmlns="" id="{6A64EFE6-F736-4AF7-AB0A-45150A649A56}"/>
+                <a16:creationId xmlns="" xmlns:a16="http://schemas.microsoft.com/office/drawing/2014/main" id="{6A64EFE6-F736-4AF7-AB0A-45150A649A56}"/>
               </a:ext>
             </a:extLst>
           </p:cNvPr>
@@ -5685,7 +5685,7 @@
           <p:cNvPr id="3" name="Content Placeholder 2">
             <a:extLst>
               <a:ext uri="{FF2B5EF4-FFF2-40B4-BE49-F238E27FC236}">
-                <a16:creationId xmlns:a16="http://schemas.microsoft.com/office/drawing/2014/main" xmlns="" id="{35B1CF83-AD03-4DD4-B20F-526AA16B098C}"/>
+                <a16:creationId xmlns="" xmlns:a16="http://schemas.microsoft.com/office/drawing/2014/main" id="{35B1CF83-AD03-4DD4-B20F-526AA16B098C}"/>
               </a:ext>
             </a:extLst>
           </p:cNvPr>
@@ -5841,7 +5841,7 @@
           <p:cNvPr id="4" name="Picture 3">
             <a:extLst>
               <a:ext uri="{FF2B5EF4-FFF2-40B4-BE49-F238E27FC236}">
-                <a16:creationId xmlns:a16="http://schemas.microsoft.com/office/drawing/2014/main" xmlns="" id="{44795652-A71D-4C4E-9EE8-9AE3F77FA049}"/>
+                <a16:creationId xmlns="" xmlns:a16="http://schemas.microsoft.com/office/drawing/2014/main" id="{44795652-A71D-4C4E-9EE8-9AE3F77FA049}"/>
               </a:ext>
             </a:extLst>
           </p:cNvPr>
@@ -5901,7 +5901,7 @@
           <p:cNvPr id="2" name="Title 1">
             <a:extLst>
               <a:ext uri="{FF2B5EF4-FFF2-40B4-BE49-F238E27FC236}">
-                <a16:creationId xmlns:a16="http://schemas.microsoft.com/office/drawing/2014/main" xmlns="" id="{71B3EAE6-E92F-4D6A-880E-A68DDDE604F3}"/>
+                <a16:creationId xmlns="" xmlns:a16="http://schemas.microsoft.com/office/drawing/2014/main" id="{71B3EAE6-E92F-4D6A-880E-A68DDDE604F3}"/>
               </a:ext>
             </a:extLst>
           </p:cNvPr>
@@ -5933,7 +5933,7 @@
           <p:cNvPr id="3" name="Content Placeholder 2">
             <a:extLst>
               <a:ext uri="{FF2B5EF4-FFF2-40B4-BE49-F238E27FC236}">
-                <a16:creationId xmlns:a16="http://schemas.microsoft.com/office/drawing/2014/main" xmlns="" id="{660E8B83-C2C5-4743-BFF9-46C10D23FAE9}"/>
+                <a16:creationId xmlns="" xmlns:a16="http://schemas.microsoft.com/office/drawing/2014/main" id="{660E8B83-C2C5-4743-BFF9-46C10D23FAE9}"/>
               </a:ext>
             </a:extLst>
           </p:cNvPr>
@@ -6075,7 +6075,7 @@
           <p:cNvPr id="2" name="Title 1">
             <a:extLst>
               <a:ext uri="{FF2B5EF4-FFF2-40B4-BE49-F238E27FC236}">
-                <a16:creationId xmlns:a16="http://schemas.microsoft.com/office/drawing/2014/main" xmlns="" id="{D8D89EF4-269A-46A9-A7BD-85C639FDB694}"/>
+                <a16:creationId xmlns="" xmlns:a16="http://schemas.microsoft.com/office/drawing/2014/main" id="{D8D89EF4-269A-46A9-A7BD-85C639FDB694}"/>
               </a:ext>
             </a:extLst>
           </p:cNvPr>
@@ -6103,7 +6103,7 @@
           <p:cNvPr id="3" name="Content Placeholder 2">
             <a:extLst>
               <a:ext uri="{FF2B5EF4-FFF2-40B4-BE49-F238E27FC236}">
-                <a16:creationId xmlns:a16="http://schemas.microsoft.com/office/drawing/2014/main" xmlns="" id="{0B12D61C-D7CA-44DA-A969-5704AB9F3595}"/>
+                <a16:creationId xmlns="" xmlns:a16="http://schemas.microsoft.com/office/drawing/2014/main" id="{0B12D61C-D7CA-44DA-A969-5704AB9F3595}"/>
               </a:ext>
             </a:extLst>
           </p:cNvPr>
@@ -6628,7 +6628,7 @@
           <p:cNvPr id="2" name="Title 1">
             <a:extLst>
               <a:ext uri="{FF2B5EF4-FFF2-40B4-BE49-F238E27FC236}">
-                <a16:creationId xmlns:a16="http://schemas.microsoft.com/office/drawing/2014/main" xmlns="" id="{69622DA5-1F62-44EE-BBFF-43A2A46A37E5}"/>
+                <a16:creationId xmlns="" xmlns:a16="http://schemas.microsoft.com/office/drawing/2014/main" id="{69622DA5-1F62-44EE-BBFF-43A2A46A37E5}"/>
               </a:ext>
             </a:extLst>
           </p:cNvPr>
@@ -6656,7 +6656,7 @@
           <p:cNvPr id="3" name="Content Placeholder 2">
             <a:extLst>
               <a:ext uri="{FF2B5EF4-FFF2-40B4-BE49-F238E27FC236}">
-                <a16:creationId xmlns:a16="http://schemas.microsoft.com/office/drawing/2014/main" xmlns="" id="{12ED7BED-90AF-4163-A7C2-21C967ECD37E}"/>
+                <a16:creationId xmlns="" xmlns:a16="http://schemas.microsoft.com/office/drawing/2014/main" id="{12ED7BED-90AF-4163-A7C2-21C967ECD37E}"/>
               </a:ext>
             </a:extLst>
           </p:cNvPr>
@@ -7007,7 +7007,7 @@
           <p:cNvPr id="4" name="Picture 3">
             <a:extLst>
               <a:ext uri="{FF2B5EF4-FFF2-40B4-BE49-F238E27FC236}">
-                <a16:creationId xmlns:a16="http://schemas.microsoft.com/office/drawing/2014/main" xmlns="" id="{2D9A7121-6229-46B6-AAFA-15181CCA8167}"/>
+                <a16:creationId xmlns="" xmlns:a16="http://schemas.microsoft.com/office/drawing/2014/main" id="{2D9A7121-6229-46B6-AAFA-15181CCA8167}"/>
               </a:ext>
             </a:extLst>
           </p:cNvPr>
@@ -7067,7 +7067,7 @@
           <p:cNvPr id="2" name="Title 1">
             <a:extLst>
               <a:ext uri="{FF2B5EF4-FFF2-40B4-BE49-F238E27FC236}">
-                <a16:creationId xmlns:a16="http://schemas.microsoft.com/office/drawing/2014/main" xmlns="" id="{0A3B81F4-D727-40D9-AF9E-49B8004DF3B6}"/>
+                <a16:creationId xmlns="" xmlns:a16="http://schemas.microsoft.com/office/drawing/2014/main" id="{0A3B81F4-D727-40D9-AF9E-49B8004DF3B6}"/>
               </a:ext>
             </a:extLst>
           </p:cNvPr>
@@ -7095,7 +7095,7 @@
           <p:cNvPr id="3" name="Content Placeholder 2">
             <a:extLst>
               <a:ext uri="{FF2B5EF4-FFF2-40B4-BE49-F238E27FC236}">
-                <a16:creationId xmlns:a16="http://schemas.microsoft.com/office/drawing/2014/main" xmlns="" id="{CE8EF288-265F-49E4-BC4F-F912D3CD04D9}"/>
+                <a16:creationId xmlns="" xmlns:a16="http://schemas.microsoft.com/office/drawing/2014/main" id="{CE8EF288-265F-49E4-BC4F-F912D3CD04D9}"/>
               </a:ext>
             </a:extLst>
           </p:cNvPr>
@@ -7334,7 +7334,7 @@
           <p:cNvPr id="4" name="Picture 3">
             <a:extLst>
               <a:ext uri="{FF2B5EF4-FFF2-40B4-BE49-F238E27FC236}">
-                <a16:creationId xmlns:a16="http://schemas.microsoft.com/office/drawing/2014/main" xmlns="" id="{748C8423-BCD8-491C-A3ED-FBE8A361CFCF}"/>
+                <a16:creationId xmlns="" xmlns:a16="http://schemas.microsoft.com/office/drawing/2014/main" id="{748C8423-BCD8-491C-A3ED-FBE8A361CFCF}"/>
               </a:ext>
             </a:extLst>
           </p:cNvPr>
@@ -7394,7 +7394,7 @@
           <p:cNvPr id="2" name="Title 1">
             <a:extLst>
               <a:ext uri="{FF2B5EF4-FFF2-40B4-BE49-F238E27FC236}">
-                <a16:creationId xmlns:a16="http://schemas.microsoft.com/office/drawing/2014/main" xmlns="" id="{D1D6930C-657C-449D-B34B-EB905240E38D}"/>
+                <a16:creationId xmlns="" xmlns:a16="http://schemas.microsoft.com/office/drawing/2014/main" id="{D1D6930C-657C-449D-B34B-EB905240E38D}"/>
               </a:ext>
             </a:extLst>
           </p:cNvPr>
@@ -7422,7 +7422,7 @@
           <p:cNvPr id="3" name="Content Placeholder 2">
             <a:extLst>
               <a:ext uri="{FF2B5EF4-FFF2-40B4-BE49-F238E27FC236}">
-                <a16:creationId xmlns:a16="http://schemas.microsoft.com/office/drawing/2014/main" xmlns="" id="{B37CE59B-4367-4E0F-8C72-B7BB5D21EA44}"/>
+                <a16:creationId xmlns="" xmlns:a16="http://schemas.microsoft.com/office/drawing/2014/main" id="{B37CE59B-4367-4E0F-8C72-B7BB5D21EA44}"/>
               </a:ext>
             </a:extLst>
           </p:cNvPr>
@@ -7621,7 +7621,7 @@
           <p:cNvPr id="4" name="Picture 3">
             <a:extLst>
               <a:ext uri="{FF2B5EF4-FFF2-40B4-BE49-F238E27FC236}">
-                <a16:creationId xmlns:a16="http://schemas.microsoft.com/office/drawing/2014/main" xmlns="" id="{59066CD2-3D44-4CB4-A2B7-0C1E1EB77575}"/>
+                <a16:creationId xmlns="" xmlns:a16="http://schemas.microsoft.com/office/drawing/2014/main" id="{59066CD2-3D44-4CB4-A2B7-0C1E1EB77575}"/>
               </a:ext>
             </a:extLst>
           </p:cNvPr>
@@ -7681,7 +7681,7 @@
           <p:cNvPr id="2" name="Title 1">
             <a:extLst>
               <a:ext uri="{FF2B5EF4-FFF2-40B4-BE49-F238E27FC236}">
-                <a16:creationId xmlns:a16="http://schemas.microsoft.com/office/drawing/2014/main" xmlns="" id="{0906278B-715F-40E6-96B4-AABCD817E860}"/>
+                <a16:creationId xmlns="" xmlns:a16="http://schemas.microsoft.com/office/drawing/2014/main" id="{0906278B-715F-40E6-96B4-AABCD817E860}"/>
               </a:ext>
             </a:extLst>
           </p:cNvPr>
@@ -7713,7 +7713,7 @@
           <p:cNvPr id="3" name="Content Placeholder 2">
             <a:extLst>
               <a:ext uri="{FF2B5EF4-FFF2-40B4-BE49-F238E27FC236}">
-                <a16:creationId xmlns:a16="http://schemas.microsoft.com/office/drawing/2014/main" xmlns="" id="{B7CCAC59-A944-4E9D-B0E0-DBE20BA2D29F}"/>
+                <a16:creationId xmlns="" xmlns:a16="http://schemas.microsoft.com/office/drawing/2014/main" id="{B7CCAC59-A944-4E9D-B0E0-DBE20BA2D29F}"/>
               </a:ext>
             </a:extLst>
           </p:cNvPr>
@@ -7884,7 +7884,7 @@
           <p:cNvPr id="4" name="Picture 3">
             <a:extLst>
               <a:ext uri="{FF2B5EF4-FFF2-40B4-BE49-F238E27FC236}">
-                <a16:creationId xmlns:a16="http://schemas.microsoft.com/office/drawing/2014/main" xmlns="" id="{E250073F-AFE2-4C19-8CF7-65F45870CA0B}"/>
+                <a16:creationId xmlns="" xmlns:a16="http://schemas.microsoft.com/office/drawing/2014/main" id="{E250073F-AFE2-4C19-8CF7-65F45870CA0B}"/>
               </a:ext>
             </a:extLst>
           </p:cNvPr>
@@ -7944,7 +7944,7 @@
           <p:cNvPr id="2" name="Title 1">
             <a:extLst>
               <a:ext uri="{FF2B5EF4-FFF2-40B4-BE49-F238E27FC236}">
-                <a16:creationId xmlns:a16="http://schemas.microsoft.com/office/drawing/2014/main" xmlns="" id="{820A6B61-52E6-454C-A929-A9403A22E27A}"/>
+                <a16:creationId xmlns="" xmlns:a16="http://schemas.microsoft.com/office/drawing/2014/main" id="{820A6B61-52E6-454C-A929-A9403A22E27A}"/>
               </a:ext>
             </a:extLst>
           </p:cNvPr>
@@ -7976,7 +7976,7 @@
           <p:cNvPr id="3" name="Content Placeholder 2">
             <a:extLst>
               <a:ext uri="{FF2B5EF4-FFF2-40B4-BE49-F238E27FC236}">
-                <a16:creationId xmlns:a16="http://schemas.microsoft.com/office/drawing/2014/main" xmlns="" id="{1E2165CB-48BD-485E-B57E-D228A32AF475}"/>
+                <a16:creationId xmlns="" xmlns:a16="http://schemas.microsoft.com/office/drawing/2014/main" id="{1E2165CB-48BD-485E-B57E-D228A32AF475}"/>
               </a:ext>
             </a:extLst>
           </p:cNvPr>
@@ -8344,7 +8344,7 @@
           <p:cNvPr id="4" name="Picture 3">
             <a:extLst>
               <a:ext uri="{FF2B5EF4-FFF2-40B4-BE49-F238E27FC236}">
-                <a16:creationId xmlns:a16="http://schemas.microsoft.com/office/drawing/2014/main" xmlns="" id="{7BB13B3A-2F66-4E6F-AC90-2AAB39A0037E}"/>
+                <a16:creationId xmlns="" xmlns:a16="http://schemas.microsoft.com/office/drawing/2014/main" id="{7BB13B3A-2F66-4E6F-AC90-2AAB39A0037E}"/>
               </a:ext>
             </a:extLst>
           </p:cNvPr>
@@ -8404,7 +8404,7 @@
           <p:cNvPr id="2" name="Title 1">
             <a:extLst>
               <a:ext uri="{FF2B5EF4-FFF2-40B4-BE49-F238E27FC236}">
-                <a16:creationId xmlns:a16="http://schemas.microsoft.com/office/drawing/2014/main" xmlns="" id="{B95B8F5C-7200-4F20-A589-14B3C3FB5AC4}"/>
+                <a16:creationId xmlns="" xmlns:a16="http://schemas.microsoft.com/office/drawing/2014/main" id="{B95B8F5C-7200-4F20-A589-14B3C3FB5AC4}"/>
               </a:ext>
             </a:extLst>
           </p:cNvPr>
@@ -8441,7 +8441,7 @@
           <p:cNvPr id="3" name="Content Placeholder 2">
             <a:extLst>
               <a:ext uri="{FF2B5EF4-FFF2-40B4-BE49-F238E27FC236}">
-                <a16:creationId xmlns:a16="http://schemas.microsoft.com/office/drawing/2014/main" xmlns="" id="{082257B7-1AE8-4976-876F-0B1CAA8B49DC}"/>
+                <a16:creationId xmlns="" xmlns:a16="http://schemas.microsoft.com/office/drawing/2014/main" id="{082257B7-1AE8-4976-876F-0B1CAA8B49DC}"/>
               </a:ext>
             </a:extLst>
           </p:cNvPr>
@@ -8743,7 +8743,7 @@
           <p:cNvPr id="4" name="Picture 3">
             <a:extLst>
               <a:ext uri="{FF2B5EF4-FFF2-40B4-BE49-F238E27FC236}">
-                <a16:creationId xmlns:a16="http://schemas.microsoft.com/office/drawing/2014/main" xmlns="" id="{65649332-2CF5-4990-84E5-850CA6F0C4A8}"/>
+                <a16:creationId xmlns="" xmlns:a16="http://schemas.microsoft.com/office/drawing/2014/main" id="{65649332-2CF5-4990-84E5-850CA6F0C4A8}"/>
               </a:ext>
             </a:extLst>
           </p:cNvPr>
@@ -8803,7 +8803,7 @@
           <p:cNvPr id="2" name="Title 1">
             <a:extLst>
               <a:ext uri="{FF2B5EF4-FFF2-40B4-BE49-F238E27FC236}">
-                <a16:creationId xmlns:a16="http://schemas.microsoft.com/office/drawing/2014/main" xmlns="" id="{DA88EBD1-1F49-4BA6-B6E8-619E2D06CBBD}"/>
+                <a16:creationId xmlns="" xmlns:a16="http://schemas.microsoft.com/office/drawing/2014/main" id="{DA88EBD1-1F49-4BA6-B6E8-619E2D06CBBD}"/>
               </a:ext>
             </a:extLst>
           </p:cNvPr>
@@ -8831,7 +8831,7 @@
           <p:cNvPr id="3" name="Content Placeholder 2">
             <a:extLst>
               <a:ext uri="{FF2B5EF4-FFF2-40B4-BE49-F238E27FC236}">
-                <a16:creationId xmlns:a16="http://schemas.microsoft.com/office/drawing/2014/main" xmlns="" id="{A27A643B-FC17-49CF-B974-056B4326786E}"/>
+                <a16:creationId xmlns="" xmlns:a16="http://schemas.microsoft.com/office/drawing/2014/main" id="{A27A643B-FC17-49CF-B974-056B4326786E}"/>
               </a:ext>
             </a:extLst>
           </p:cNvPr>
@@ -9053,7 +9053,7 @@
           <p:cNvPr id="4" name="Picture 3">
             <a:extLst>
               <a:ext uri="{FF2B5EF4-FFF2-40B4-BE49-F238E27FC236}">
-                <a16:creationId xmlns:a16="http://schemas.microsoft.com/office/drawing/2014/main" xmlns="" id="{3FC13C5E-CA78-4231-9769-FD294CA18F72}"/>
+                <a16:creationId xmlns="" xmlns:a16="http://schemas.microsoft.com/office/drawing/2014/main" id="{3FC13C5E-CA78-4231-9769-FD294CA18F72}"/>
               </a:ext>
             </a:extLst>
           </p:cNvPr>
@@ -9113,7 +9113,7 @@
           <p:cNvPr id="2" name="Title 1">
             <a:extLst>
               <a:ext uri="{FF2B5EF4-FFF2-40B4-BE49-F238E27FC236}">
-                <a16:creationId xmlns:a16="http://schemas.microsoft.com/office/drawing/2014/main" xmlns="" id="{9E3A28AF-8616-4DA9-BA67-3EE28B366907}"/>
+                <a16:creationId xmlns="" xmlns:a16="http://schemas.microsoft.com/office/drawing/2014/main" id="{9E3A28AF-8616-4DA9-BA67-3EE28B366907}"/>
               </a:ext>
             </a:extLst>
           </p:cNvPr>
@@ -9141,7 +9141,7 @@
           <p:cNvPr id="3" name="Content Placeholder 2">
             <a:extLst>
               <a:ext uri="{FF2B5EF4-FFF2-40B4-BE49-F238E27FC236}">
-                <a16:creationId xmlns:a16="http://schemas.microsoft.com/office/drawing/2014/main" xmlns="" id="{5497F37E-F7D4-4510-878B-B9620381D1C4}"/>
+                <a16:creationId xmlns="" xmlns:a16="http://schemas.microsoft.com/office/drawing/2014/main" id="{5497F37E-F7D4-4510-878B-B9620381D1C4}"/>
               </a:ext>
             </a:extLst>
           </p:cNvPr>
@@ -9557,7 +9557,7 @@
           <p:cNvPr id="2" name="Title 1">
             <a:extLst>
               <a:ext uri="{FF2B5EF4-FFF2-40B4-BE49-F238E27FC236}">
-                <a16:creationId xmlns:a16="http://schemas.microsoft.com/office/drawing/2014/main" xmlns="" id="{E032B052-9AB9-479B-B9CC-8BDFDF47E40C}"/>
+                <a16:creationId xmlns="" xmlns:a16="http://schemas.microsoft.com/office/drawing/2014/main" id="{E032B052-9AB9-479B-B9CC-8BDFDF47E40C}"/>
               </a:ext>
             </a:extLst>
           </p:cNvPr>
@@ -9594,7 +9594,7 @@
           <p:cNvPr id="5" name="Content Placeholder 4">
             <a:extLst>
               <a:ext uri="{FF2B5EF4-FFF2-40B4-BE49-F238E27FC236}">
-                <a16:creationId xmlns:a16="http://schemas.microsoft.com/office/drawing/2014/main" xmlns="" id="{4A9C24B5-D444-4B53-A672-0741C9EEEA28}"/>
+                <a16:creationId xmlns="" xmlns:a16="http://schemas.microsoft.com/office/drawing/2014/main" id="{4A9C24B5-D444-4B53-A672-0741C9EEEA28}"/>
               </a:ext>
             </a:extLst>
           </p:cNvPr>
@@ -9626,7 +9626,7 @@
           <p:cNvPr id="6" name="Content Placeholder 5">
             <a:extLst>
               <a:ext uri="{FF2B5EF4-FFF2-40B4-BE49-F238E27FC236}">
-                <a16:creationId xmlns:a16="http://schemas.microsoft.com/office/drawing/2014/main" xmlns="" id="{0CFEC6E1-C846-4CE0-9B18-CAD7F70A983B}"/>
+                <a16:creationId xmlns="" xmlns:a16="http://schemas.microsoft.com/office/drawing/2014/main" id="{0CFEC6E1-C846-4CE0-9B18-CAD7F70A983B}"/>
               </a:ext>
             </a:extLst>
           </p:cNvPr>
@@ -9817,7 +9817,7 @@
           <p:cNvPr id="2" name="Title 1">
             <a:extLst>
               <a:ext uri="{FF2B5EF4-FFF2-40B4-BE49-F238E27FC236}">
-                <a16:creationId xmlns:a16="http://schemas.microsoft.com/office/drawing/2014/main" xmlns="" id="{50885E28-54E8-491F-B17E-A52F3B7F1523}"/>
+                <a16:creationId xmlns="" xmlns:a16="http://schemas.microsoft.com/office/drawing/2014/main" id="{50885E28-54E8-491F-B17E-A52F3B7F1523}"/>
               </a:ext>
             </a:extLst>
           </p:cNvPr>
@@ -9845,7 +9845,7 @@
           <p:cNvPr id="3" name="Content Placeholder 2">
             <a:extLst>
               <a:ext uri="{FF2B5EF4-FFF2-40B4-BE49-F238E27FC236}">
-                <a16:creationId xmlns:a16="http://schemas.microsoft.com/office/drawing/2014/main" xmlns="" id="{537CB976-9A37-48BA-B3B7-47CDB98CC564}"/>
+                <a16:creationId xmlns="" xmlns:a16="http://schemas.microsoft.com/office/drawing/2014/main" id="{537CB976-9A37-48BA-B3B7-47CDB98CC564}"/>
               </a:ext>
             </a:extLst>
           </p:cNvPr>
@@ -9901,8 +9901,17 @@
           <a:p>
             <a:r>
               <a:rPr lang="en-US" dirty="0"/>
-              <a:t>https://www.youtube.com/watch?v=dRWleqAdyW0</a:t>
-            </a:r>
+              <a:t>https://</a:t>
+            </a:r>
+            <a:r>
+              <a:rPr lang="en-US" dirty="0" smtClean="0"/>
+              <a:t>www.youtube.com/watch?v=dRWleqAdyW0</a:t>
+            </a:r>
+            <a:r>
+              <a:rPr lang="id-ID" smtClean="0"/>
+              <a:t>1</a:t>
+            </a:r>
+            <a:endParaRPr lang="en-US" dirty="0"/>
           </a:p>
           <a:p>
             <a:endParaRPr lang="en-US" dirty="0"/>
@@ -9944,7 +9953,7 @@
           <p:cNvPr id="2" name="Title 1">
             <a:extLst>
               <a:ext uri="{FF2B5EF4-FFF2-40B4-BE49-F238E27FC236}">
-                <a16:creationId xmlns:a16="http://schemas.microsoft.com/office/drawing/2014/main" xmlns="" id="{3A8F8451-4288-45F8-B193-661A95F84E1A}"/>
+                <a16:creationId xmlns="" xmlns:a16="http://schemas.microsoft.com/office/drawing/2014/main" id="{3A8F8451-4288-45F8-B193-661A95F84E1A}"/>
               </a:ext>
             </a:extLst>
           </p:cNvPr>
@@ -9976,7 +9985,7 @@
           <p:cNvPr id="4" name="Content Placeholder 3">
             <a:extLst>
               <a:ext uri="{FF2B5EF4-FFF2-40B4-BE49-F238E27FC236}">
-                <a16:creationId xmlns:a16="http://schemas.microsoft.com/office/drawing/2014/main" xmlns="" id="{285C7218-A6C3-4EF4-ACE8-2B45A555107D}"/>
+                <a16:creationId xmlns="" xmlns:a16="http://schemas.microsoft.com/office/drawing/2014/main" id="{285C7218-A6C3-4EF4-ACE8-2B45A555107D}"/>
               </a:ext>
             </a:extLst>
           </p:cNvPr>
@@ -10008,7 +10017,7 @@
           <p:cNvPr id="5" name="Picture 4">
             <a:extLst>
               <a:ext uri="{FF2B5EF4-FFF2-40B4-BE49-F238E27FC236}">
-                <a16:creationId xmlns:a16="http://schemas.microsoft.com/office/drawing/2014/main" xmlns="" id="{2BBDA339-C238-4706-BF18-C0CE7E59D725}"/>
+                <a16:creationId xmlns="" xmlns:a16="http://schemas.microsoft.com/office/drawing/2014/main" id="{2BBDA339-C238-4706-BF18-C0CE7E59D725}"/>
               </a:ext>
             </a:extLst>
           </p:cNvPr>
@@ -10038,7 +10047,7 @@
           <p:cNvPr id="6" name="Picture 5">
             <a:extLst>
               <a:ext uri="{FF2B5EF4-FFF2-40B4-BE49-F238E27FC236}">
-                <a16:creationId xmlns:a16="http://schemas.microsoft.com/office/drawing/2014/main" xmlns="" id="{97AEEABC-83DE-42BE-BAA9-F199E22AB3EE}"/>
+                <a16:creationId xmlns="" xmlns:a16="http://schemas.microsoft.com/office/drawing/2014/main" id="{97AEEABC-83DE-42BE-BAA9-F199E22AB3EE}"/>
               </a:ext>
             </a:extLst>
           </p:cNvPr>
@@ -10068,7 +10077,7 @@
           <p:cNvPr id="7" name="Arrow: Right 6">
             <a:extLst>
               <a:ext uri="{FF2B5EF4-FFF2-40B4-BE49-F238E27FC236}">
-                <a16:creationId xmlns:a16="http://schemas.microsoft.com/office/drawing/2014/main" xmlns="" id="{B6E387C2-4D4E-438D-9422-C9A9ADFEEF98}"/>
+                <a16:creationId xmlns="" xmlns:a16="http://schemas.microsoft.com/office/drawing/2014/main" id="{B6E387C2-4D4E-438D-9422-C9A9ADFEEF98}"/>
               </a:ext>
             </a:extLst>
           </p:cNvPr>
@@ -10114,7 +10123,7 @@
           <p:cNvPr id="8" name="Arrow: Right 7">
             <a:extLst>
               <a:ext uri="{FF2B5EF4-FFF2-40B4-BE49-F238E27FC236}">
-                <a16:creationId xmlns:a16="http://schemas.microsoft.com/office/drawing/2014/main" xmlns="" id="{CD1BA66C-3167-440E-BBEE-99BEDCB22C76}"/>
+                <a16:creationId xmlns="" xmlns:a16="http://schemas.microsoft.com/office/drawing/2014/main" id="{CD1BA66C-3167-440E-BBEE-99BEDCB22C76}"/>
               </a:ext>
             </a:extLst>
           </p:cNvPr>
@@ -10190,7 +10199,7 @@
           <p:cNvPr id="2" name="Title 1">
             <a:extLst>
               <a:ext uri="{FF2B5EF4-FFF2-40B4-BE49-F238E27FC236}">
-                <a16:creationId xmlns:a16="http://schemas.microsoft.com/office/drawing/2014/main" xmlns="" id="{DF8EAD61-6B60-473A-8B38-96661AABEE3F}"/>
+                <a16:creationId xmlns="" xmlns:a16="http://schemas.microsoft.com/office/drawing/2014/main" id="{DF8EAD61-6B60-473A-8B38-96661AABEE3F}"/>
               </a:ext>
             </a:extLst>
           </p:cNvPr>
@@ -10219,7 +10228,7 @@
           <p:cNvPr id="5" name="Content Placeholder 4">
             <a:extLst>
               <a:ext uri="{FF2B5EF4-FFF2-40B4-BE49-F238E27FC236}">
-                <a16:creationId xmlns:a16="http://schemas.microsoft.com/office/drawing/2014/main" xmlns="" id="{97F29B70-DFCB-4B02-A4E5-782BFAA51A07}"/>
+                <a16:creationId xmlns="" xmlns:a16="http://schemas.microsoft.com/office/drawing/2014/main" id="{97F29B70-DFCB-4B02-A4E5-782BFAA51A07}"/>
               </a:ext>
             </a:extLst>
           </p:cNvPr>
@@ -10251,7 +10260,7 @@
           <p:cNvPr id="6" name="Content Placeholder 5">
             <a:extLst>
               <a:ext uri="{FF2B5EF4-FFF2-40B4-BE49-F238E27FC236}">
-                <a16:creationId xmlns:a16="http://schemas.microsoft.com/office/drawing/2014/main" xmlns="" id="{4822F0E7-21FB-402F-8482-522707761E2A}"/>
+                <a16:creationId xmlns="" xmlns:a16="http://schemas.microsoft.com/office/drawing/2014/main" id="{4822F0E7-21FB-402F-8482-522707761E2A}"/>
               </a:ext>
             </a:extLst>
           </p:cNvPr>
@@ -10723,7 +10732,7 @@
           <p:cNvPr id="2" name="Title 1">
             <a:extLst>
               <a:ext uri="{FF2B5EF4-FFF2-40B4-BE49-F238E27FC236}">
-                <a16:creationId xmlns:a16="http://schemas.microsoft.com/office/drawing/2014/main" xmlns="" id="{5A711E72-9DB2-49FD-85FD-2DF96E428427}"/>
+                <a16:creationId xmlns="" xmlns:a16="http://schemas.microsoft.com/office/drawing/2014/main" id="{5A711E72-9DB2-49FD-85FD-2DF96E428427}"/>
               </a:ext>
             </a:extLst>
           </p:cNvPr>
@@ -10756,7 +10765,7 @@
           <p:cNvPr id="15" name="Picture 14">
             <a:extLst>
               <a:ext uri="{FF2B5EF4-FFF2-40B4-BE49-F238E27FC236}">
-                <a16:creationId xmlns:a16="http://schemas.microsoft.com/office/drawing/2014/main" xmlns="" id="{A28356B7-51E2-4715-A124-6DB5FE170C49}"/>
+                <a16:creationId xmlns="" xmlns:a16="http://schemas.microsoft.com/office/drawing/2014/main" id="{A28356B7-51E2-4715-A124-6DB5FE170C49}"/>
               </a:ext>
             </a:extLst>
           </p:cNvPr>
@@ -11114,7 +11123,7 @@
           <p:cNvPr id="2" name="Title 1">
             <a:extLst>
               <a:ext uri="{FF2B5EF4-FFF2-40B4-BE49-F238E27FC236}">
-                <a16:creationId xmlns:a16="http://schemas.microsoft.com/office/drawing/2014/main" xmlns="" id="{BE2948F8-1ECB-4FD8-B2C9-8B8FF33D8DD1}"/>
+                <a16:creationId xmlns="" xmlns:a16="http://schemas.microsoft.com/office/drawing/2014/main" id="{BE2948F8-1ECB-4FD8-B2C9-8B8FF33D8DD1}"/>
               </a:ext>
             </a:extLst>
           </p:cNvPr>
@@ -11146,7 +11155,7 @@
           <p:cNvPr id="4" name="Content Placeholder 3">
             <a:extLst>
               <a:ext uri="{FF2B5EF4-FFF2-40B4-BE49-F238E27FC236}">
-                <a16:creationId xmlns:a16="http://schemas.microsoft.com/office/drawing/2014/main" xmlns="" id="{BFC5BDE9-00B6-4E6D-905D-FE57DF585974}"/>
+                <a16:creationId xmlns="" xmlns:a16="http://schemas.microsoft.com/office/drawing/2014/main" id="{BFC5BDE9-00B6-4E6D-905D-FE57DF585974}"/>
               </a:ext>
             </a:extLst>
           </p:cNvPr>
@@ -11178,7 +11187,7 @@
           <p:cNvPr id="5" name="Picture 4">
             <a:extLst>
               <a:ext uri="{FF2B5EF4-FFF2-40B4-BE49-F238E27FC236}">
-                <a16:creationId xmlns:a16="http://schemas.microsoft.com/office/drawing/2014/main" xmlns="" id="{5FA3D9D4-6D55-466D-AF35-3FD2AB89A236}"/>
+                <a16:creationId xmlns="" xmlns:a16="http://schemas.microsoft.com/office/drawing/2014/main" id="{5FA3D9D4-6D55-466D-AF35-3FD2AB89A236}"/>
               </a:ext>
             </a:extLst>
           </p:cNvPr>
@@ -11208,7 +11217,7 @@
           <p:cNvPr id="6" name="Picture 5">
             <a:extLst>
               <a:ext uri="{FF2B5EF4-FFF2-40B4-BE49-F238E27FC236}">
-                <a16:creationId xmlns:a16="http://schemas.microsoft.com/office/drawing/2014/main" xmlns="" id="{FE3ECCDC-723C-44E6-AFDD-3EDA3B60FDFE}"/>
+                <a16:creationId xmlns="" xmlns:a16="http://schemas.microsoft.com/office/drawing/2014/main" id="{FE3ECCDC-723C-44E6-AFDD-3EDA3B60FDFE}"/>
               </a:ext>
             </a:extLst>
           </p:cNvPr>
@@ -11508,7 +11517,7 @@
   <a:extraClrSchemeLst/>
   <a:extLst>
     <a:ext uri="{05A4C25C-085E-4340-85A3-A5531E510DB2}">
-      <thm15:themeFamily xmlns:thm15="http://schemas.microsoft.com/office/thememl/2012/main" xmlns="" name="Integral" id="{3577F8C9-A904-41D8-97D2-FD898F53F20E}" vid="{29F68FFC-748B-4FC3-BF39-7F84A6D5840F}"/>
+      <thm15:themeFamily xmlns="" xmlns:thm15="http://schemas.microsoft.com/office/thememl/2012/main" name="Integral" id="{3577F8C9-A904-41D8-97D2-FD898F53F20E}" vid="{29F68FFC-748B-4FC3-BF39-7F84A6D5840F}"/>
     </a:ext>
   </a:extLst>
 </a:theme>
